--- a/中期汇报/中期报告2.pptx
+++ b/中期汇报/中期报告2.pptx
@@ -6,7 +6,7 @@
     <p:sldMasterId id="2147483666" r:id="rId2"/>
   </p:sldMasterIdLst>
   <p:notesMasterIdLst>
-    <p:notesMasterId r:id="rId14"/>
+    <p:notesMasterId r:id="rId15"/>
   </p:notesMasterIdLst>
   <p:sldIdLst>
     <p:sldId id="300" r:id="rId3"/>
@@ -16,15 +16,16 @@
     <p:sldId id="266" r:id="rId7"/>
     <p:sldId id="268" r:id="rId8"/>
     <p:sldId id="311" r:id="rId9"/>
-    <p:sldId id="312" r:id="rId10"/>
-    <p:sldId id="313" r:id="rId11"/>
-    <p:sldId id="270" r:id="rId12"/>
-    <p:sldId id="294" r:id="rId13"/>
+    <p:sldId id="314" r:id="rId10"/>
+    <p:sldId id="312" r:id="rId11"/>
+    <p:sldId id="313" r:id="rId12"/>
+    <p:sldId id="270" r:id="rId13"/>
+    <p:sldId id="294" r:id="rId14"/>
   </p:sldIdLst>
   <p:sldSz cx="12192000" cy="6858000"/>
   <p:notesSz cx="6858000" cy="9144000"/>
   <p:custDataLst>
-    <p:tags r:id="rId15"/>
+    <p:tags r:id="rId16"/>
   </p:custDataLst>
   <p:defaultTextStyle>
     <a:defPPr>
@@ -627,7 +628,7 @@
           <a:p>
             <a:fld id="{3E27A245-A9B2-4BC5-BD89-17FD121E6FAF}" type="slidenum">
               <a:rPr lang="zh-CN" altLang="en-US" smtClean="0"/>
-              <a:t>10</a:t>
+              <a:t>11</a:t>
             </a:fld>
             <a:endParaRPr lang="zh-CN" altLang="en-US"/>
           </a:p>
@@ -718,7 +719,7 @@
                 <a:ea typeface="宋体" panose="02010600030101010101" pitchFamily="2" charset="-122"/>
               </a:rPr>
               <a:pPr/>
-              <a:t>11</a:t>
+              <a:t>12</a:t>
             </a:fld>
             <a:endParaRPr lang="zh-CN" altLang="en-US">
               <a:solidFill>
@@ -1363,7 +1364,7 @@
             <a:fld id="{B78F6036-E835-44CB-A25A-34C755DFD5D4}" type="slidenum">
               <a:rPr lang="en-US" smtClean="0"/>
               <a:pPr/>
-              <a:t>8</a:t>
+              <a:t>9</a:t>
             </a:fld>
             <a:endParaRPr lang="en-US"/>
           </a:p>
@@ -1472,7 +1473,7 @@
             <a:fld id="{B78F6036-E835-44CB-A25A-34C755DFD5D4}" type="slidenum">
               <a:rPr lang="en-US" smtClean="0"/>
               <a:pPr/>
-              <a:t>9</a:t>
+              <a:t>10</a:t>
             </a:fld>
             <a:endParaRPr lang="en-US"/>
           </a:p>
@@ -7200,6 +7201,1124 @@
 </file>
 
 <file path=ppt/slides/slide10.xml><?xml version="1.0" encoding="utf-8"?>
+<p:sld xmlns:a="http://schemas.openxmlformats.org/drawingml/2006/main" xmlns:r="http://schemas.openxmlformats.org/officeDocument/2006/relationships" xmlns:p="http://schemas.openxmlformats.org/presentationml/2006/main">
+  <p:cSld>
+    <p:spTree>
+      <p:nvGrpSpPr>
+        <p:cNvPr id="1" name="">
+          <a:extLst>
+            <a:ext uri="{FF2B5EF4-FFF2-40B4-BE49-F238E27FC236}">
+              <a16:creationId xmlns:a16="http://schemas.microsoft.com/office/drawing/2014/main" id="{FD7AC57D-0B57-ABCF-119B-63F69B5C4141}"/>
+            </a:ext>
+          </a:extLst>
+        </p:cNvPr>
+        <p:cNvGrpSpPr/>
+        <p:nvPr/>
+      </p:nvGrpSpPr>
+      <p:grpSpPr>
+        <a:xfrm>
+          <a:off x="0" y="0"/>
+          <a:ext cx="0" cy="0"/>
+          <a:chOff x="0" y="0"/>
+          <a:chExt cx="0" cy="0"/>
+        </a:xfrm>
+      </p:grpSpPr>
+      <p:sp>
+        <p:nvSpPr>
+          <p:cNvPr id="4" name="TextBox 3">
+            <a:extLst>
+              <a:ext uri="{FF2B5EF4-FFF2-40B4-BE49-F238E27FC236}">
+                <a16:creationId xmlns:a16="http://schemas.microsoft.com/office/drawing/2014/main" id="{61A4047B-3AC8-8F65-9011-5558C2959212}"/>
+              </a:ext>
+            </a:extLst>
+          </p:cNvPr>
+          <p:cNvSpPr txBox="1"/>
+          <p:nvPr/>
+        </p:nvSpPr>
+        <p:spPr>
+          <a:xfrm>
+            <a:off x="407380" y="223097"/>
+            <a:ext cx="540060" cy="118430"/>
+          </a:xfrm>
+          <a:prstGeom prst="rect">
+            <a:avLst/>
+          </a:prstGeom>
+          <a:noFill/>
+        </p:spPr>
+        <p:txBody>
+          <a:bodyPr wrap="square" rtlCol="0">
+            <a:spAutoFit/>
+          </a:bodyPr>
+          <a:lstStyle/>
+          <a:p>
+            <a:pPr>
+              <a:lnSpc>
+                <a:spcPct val="200000"/>
+              </a:lnSpc>
+            </a:pPr>
+            <a:r>
+              <a:rPr lang="en-US" altLang="zh-CN" sz="100" dirty="0">
+                <a:noFill/>
+                <a:latin typeface="微软雅黑" panose="020B0503020204020204" pitchFamily="34" charset="-122"/>
+                <a:ea typeface="微软雅黑" panose="020B0503020204020204" pitchFamily="34" charset="-122"/>
+              </a:rPr>
+              <a:t>PPT</a:t>
+            </a:r>
+            <a:r>
+              <a:rPr lang="zh-CN" altLang="en-US" sz="100" dirty="0">
+                <a:noFill/>
+                <a:latin typeface="微软雅黑" panose="020B0503020204020204" pitchFamily="34" charset="-122"/>
+                <a:ea typeface="微软雅黑" panose="020B0503020204020204" pitchFamily="34" charset="-122"/>
+              </a:rPr>
+              <a:t>模板 </a:t>
+            </a:r>
+            <a:r>
+              <a:rPr lang="en-US" altLang="zh-CN" sz="100" dirty="0">
+                <a:noFill/>
+                <a:latin typeface="微软雅黑" panose="020B0503020204020204" pitchFamily="34" charset="-122"/>
+                <a:ea typeface="微软雅黑" panose="020B0503020204020204" pitchFamily="34" charset="-122"/>
+              </a:rPr>
+              <a:t>http://www.1ppt.com/moban/</a:t>
+            </a:r>
+            <a:r>
+              <a:rPr lang="zh-CN" altLang="en-US" sz="100" dirty="0">
+                <a:noFill/>
+                <a:latin typeface="微软雅黑" panose="020B0503020204020204" pitchFamily="34" charset="-122"/>
+                <a:ea typeface="微软雅黑" panose="020B0503020204020204" pitchFamily="34" charset="-122"/>
+              </a:rPr>
+              <a:t> </a:t>
+            </a:r>
+            <a:endParaRPr lang="en-US" altLang="zh-CN" sz="100" dirty="0">
+              <a:noFill/>
+              <a:latin typeface="微软雅黑" panose="020B0503020204020204" pitchFamily="34" charset="-122"/>
+              <a:ea typeface="微软雅黑" panose="020B0503020204020204" pitchFamily="34" charset="-122"/>
+            </a:endParaRPr>
+          </a:p>
+        </p:txBody>
+      </p:sp>
+      <p:sp>
+        <p:nvSpPr>
+          <p:cNvPr id="49" name="TextBox 48">
+            <a:extLst>
+              <a:ext uri="{FF2B5EF4-FFF2-40B4-BE49-F238E27FC236}">
+                <a16:creationId xmlns:a16="http://schemas.microsoft.com/office/drawing/2014/main" id="{4AFE153F-D31C-4702-DBAE-37A83D304424}"/>
+              </a:ext>
+            </a:extLst>
+          </p:cNvPr>
+          <p:cNvSpPr txBox="1"/>
+          <p:nvPr/>
+        </p:nvSpPr>
+        <p:spPr>
+          <a:xfrm>
+            <a:off x="3759625" y="553591"/>
+            <a:ext cx="6264967" cy="975011"/>
+          </a:xfrm>
+          <a:prstGeom prst="rect">
+            <a:avLst/>
+          </a:prstGeom>
+          <a:noFill/>
+        </p:spPr>
+        <p:txBody>
+          <a:bodyPr wrap="square" lIns="0" tIns="0" rIns="0" bIns="0" rtlCol="0">
+            <a:spAutoFit/>
+          </a:bodyPr>
+          <a:lstStyle/>
+          <a:p>
+            <a:pPr>
+              <a:lnSpc>
+                <a:spcPct val="130000"/>
+              </a:lnSpc>
+            </a:pPr>
+            <a:r>
+              <a:rPr lang="zh-CN" altLang="en-US" sz="5400" b="1" dirty="0">
+                <a:solidFill>
+                  <a:srgbClr val="554B4F"/>
+                </a:solidFill>
+                <a:latin typeface="方正黑体简体" panose="02010601030101010101" pitchFamily="2" charset="-122"/>
+                <a:ea typeface="方正黑体简体" panose="02010601030101010101" pitchFamily="2" charset="-122"/>
+                <a:cs typeface="+mn-ea"/>
+                <a:sym typeface="+mn-lt"/>
+              </a:rPr>
+              <a:t>团队协作与展望</a:t>
+            </a:r>
+          </a:p>
+        </p:txBody>
+      </p:sp>
+      <p:sp>
+        <p:nvSpPr>
+          <p:cNvPr id="14" name="矩形 13">
+            <a:extLst>
+              <a:ext uri="{FF2B5EF4-FFF2-40B4-BE49-F238E27FC236}">
+                <a16:creationId xmlns:a16="http://schemas.microsoft.com/office/drawing/2014/main" id="{B0C03E6D-D2EF-9A08-301F-EFA800AC8816}"/>
+              </a:ext>
+            </a:extLst>
+          </p:cNvPr>
+          <p:cNvSpPr/>
+          <p:nvPr/>
+        </p:nvSpPr>
+        <p:spPr>
+          <a:xfrm>
+            <a:off x="1179690" y="963297"/>
+            <a:ext cx="1845738" cy="4199253"/>
+          </a:xfrm>
+          <a:prstGeom prst="rect">
+            <a:avLst/>
+          </a:prstGeom>
+          <a:solidFill>
+            <a:srgbClr val="596784"/>
+          </a:solidFill>
+          <a:ln>
+            <a:noFill/>
+          </a:ln>
+          <a:effectLst>
+            <a:outerShdw blurRad="254000" dist="63500" dir="2700000" algn="tl" rotWithShape="0">
+              <a:prstClr val="black">
+                <a:alpha val="20000"/>
+              </a:prstClr>
+            </a:outerShdw>
+          </a:effectLst>
+        </p:spPr>
+        <p:style>
+          <a:lnRef idx="2">
+            <a:schemeClr val="accent1">
+              <a:shade val="50000"/>
+            </a:schemeClr>
+          </a:lnRef>
+          <a:fillRef idx="1">
+            <a:schemeClr val="accent1"/>
+          </a:fillRef>
+          <a:effectRef idx="0">
+            <a:schemeClr val="accent1"/>
+          </a:effectRef>
+          <a:fontRef idx="minor">
+            <a:schemeClr val="lt1"/>
+          </a:fontRef>
+        </p:style>
+        <p:txBody>
+          <a:bodyPr rtlCol="0" anchor="ctr"/>
+          <a:lstStyle/>
+          <a:p>
+            <a:pPr algn="ctr"/>
+            <a:endParaRPr lang="zh-CN" altLang="en-US" dirty="0"/>
+          </a:p>
+        </p:txBody>
+      </p:sp>
+      <p:sp>
+        <p:nvSpPr>
+          <p:cNvPr id="16" name="TextBox 48">
+            <a:extLst>
+              <a:ext uri="{FF2B5EF4-FFF2-40B4-BE49-F238E27FC236}">
+                <a16:creationId xmlns:a16="http://schemas.microsoft.com/office/drawing/2014/main" id="{C81D453F-4388-FB90-FD4B-53E948A46B28}"/>
+              </a:ext>
+            </a:extLst>
+          </p:cNvPr>
+          <p:cNvSpPr txBox="1"/>
+          <p:nvPr/>
+        </p:nvSpPr>
+        <p:spPr>
+          <a:xfrm>
+            <a:off x="1179690" y="3095904"/>
+            <a:ext cx="1845739" cy="2081852"/>
+          </a:xfrm>
+          <a:prstGeom prst="rect">
+            <a:avLst/>
+          </a:prstGeom>
+          <a:noFill/>
+        </p:spPr>
+        <p:txBody>
+          <a:bodyPr wrap="square" lIns="0" tIns="0" rIns="0" bIns="0" rtlCol="0">
+            <a:spAutoFit/>
+          </a:bodyPr>
+          <a:lstStyle/>
+          <a:p>
+            <a:pPr algn="ctr">
+              <a:lnSpc>
+                <a:spcPct val="130000"/>
+              </a:lnSpc>
+            </a:pPr>
+            <a:r>
+              <a:rPr lang="en-US" altLang="zh-CN" sz="11500" dirty="0">
+                <a:solidFill>
+                  <a:schemeClr val="bg1"/>
+                </a:solidFill>
+                <a:latin typeface="方正黑体简体" panose="02010601030101010101" pitchFamily="2" charset="-122"/>
+                <a:ea typeface="方正黑体简体" panose="02010601030101010101" pitchFamily="2" charset="-122"/>
+                <a:cs typeface="+mn-ea"/>
+                <a:sym typeface="+mn-lt"/>
+              </a:rPr>
+              <a:t>4</a:t>
+            </a:r>
+            <a:endParaRPr lang="zh-CN" altLang="en-US" sz="11500" dirty="0">
+              <a:solidFill>
+                <a:schemeClr val="bg1"/>
+              </a:solidFill>
+              <a:latin typeface="方正黑体简体" panose="02010601030101010101" pitchFamily="2" charset="-122"/>
+              <a:ea typeface="方正黑体简体" panose="02010601030101010101" pitchFamily="2" charset="-122"/>
+              <a:cs typeface="+mn-ea"/>
+              <a:sym typeface="+mn-lt"/>
+            </a:endParaRPr>
+          </a:p>
+        </p:txBody>
+      </p:sp>
+      <p:sp>
+        <p:nvSpPr>
+          <p:cNvPr id="17" name="矩形 16">
+            <a:extLst>
+              <a:ext uri="{FF2B5EF4-FFF2-40B4-BE49-F238E27FC236}">
+                <a16:creationId xmlns:a16="http://schemas.microsoft.com/office/drawing/2014/main" id="{040DB3A7-15EE-1E43-0742-72AB26F3F486}"/>
+              </a:ext>
+            </a:extLst>
+          </p:cNvPr>
+          <p:cNvSpPr/>
+          <p:nvPr/>
+        </p:nvSpPr>
+        <p:spPr>
+          <a:xfrm>
+            <a:off x="11059276" y="2715130"/>
+            <a:ext cx="495300" cy="495300"/>
+          </a:xfrm>
+          <a:prstGeom prst="rect">
+            <a:avLst/>
+          </a:prstGeom>
+          <a:solidFill>
+            <a:srgbClr val="FFB407"/>
+          </a:solidFill>
+          <a:ln>
+            <a:noFill/>
+          </a:ln>
+          <a:effectLst>
+            <a:outerShdw blurRad="254000" dist="63500" dir="2700000" algn="tl" rotWithShape="0">
+              <a:prstClr val="black">
+                <a:alpha val="20000"/>
+              </a:prstClr>
+            </a:outerShdw>
+          </a:effectLst>
+        </p:spPr>
+        <p:style>
+          <a:lnRef idx="2">
+            <a:schemeClr val="accent1">
+              <a:shade val="50000"/>
+            </a:schemeClr>
+          </a:lnRef>
+          <a:fillRef idx="1">
+            <a:schemeClr val="accent1"/>
+          </a:fillRef>
+          <a:effectRef idx="0">
+            <a:schemeClr val="accent1"/>
+          </a:effectRef>
+          <a:fontRef idx="minor">
+            <a:schemeClr val="lt1"/>
+          </a:fontRef>
+        </p:style>
+        <p:txBody>
+          <a:bodyPr rtlCol="0" anchor="ctr"/>
+          <a:lstStyle/>
+          <a:p>
+            <a:pPr algn="ctr"/>
+            <a:endParaRPr lang="zh-CN" altLang="en-US"/>
+          </a:p>
+        </p:txBody>
+      </p:sp>
+      <p:sp>
+        <p:nvSpPr>
+          <p:cNvPr id="18" name="矩形 17">
+            <a:extLst>
+              <a:ext uri="{FF2B5EF4-FFF2-40B4-BE49-F238E27FC236}">
+                <a16:creationId xmlns:a16="http://schemas.microsoft.com/office/drawing/2014/main" id="{C96F66ED-DFFA-6AB8-11A2-FE63F0F4FC3C}"/>
+              </a:ext>
+            </a:extLst>
+          </p:cNvPr>
+          <p:cNvSpPr/>
+          <p:nvPr/>
+        </p:nvSpPr>
+        <p:spPr>
+          <a:xfrm>
+            <a:off x="887979" y="4756150"/>
+            <a:ext cx="640960" cy="640960"/>
+          </a:xfrm>
+          <a:prstGeom prst="rect">
+            <a:avLst/>
+          </a:prstGeom>
+          <a:noFill/>
+          <a:ln w="19050">
+            <a:solidFill>
+              <a:srgbClr val="FFB407"/>
+            </a:solidFill>
+          </a:ln>
+        </p:spPr>
+        <p:style>
+          <a:lnRef idx="2">
+            <a:schemeClr val="accent1">
+              <a:shade val="50000"/>
+            </a:schemeClr>
+          </a:lnRef>
+          <a:fillRef idx="1">
+            <a:schemeClr val="accent1"/>
+          </a:fillRef>
+          <a:effectRef idx="0">
+            <a:schemeClr val="accent1"/>
+          </a:effectRef>
+          <a:fontRef idx="minor">
+            <a:schemeClr val="lt1"/>
+          </a:fontRef>
+        </p:style>
+        <p:txBody>
+          <a:bodyPr rtlCol="0" anchor="ctr"/>
+          <a:lstStyle/>
+          <a:p>
+            <a:pPr algn="ctr"/>
+            <a:endParaRPr lang="zh-CN" altLang="en-US"/>
+          </a:p>
+        </p:txBody>
+      </p:sp>
+      <p:sp>
+        <p:nvSpPr>
+          <p:cNvPr id="19" name="矩形 18">
+            <a:extLst>
+              <a:ext uri="{FF2B5EF4-FFF2-40B4-BE49-F238E27FC236}">
+                <a16:creationId xmlns:a16="http://schemas.microsoft.com/office/drawing/2014/main" id="{BB7EFFD9-7DE9-0BCA-8327-A0153060DCAE}"/>
+              </a:ext>
+            </a:extLst>
+          </p:cNvPr>
+          <p:cNvSpPr/>
+          <p:nvPr/>
+        </p:nvSpPr>
+        <p:spPr>
+          <a:xfrm>
+            <a:off x="1664409" y="5631308"/>
+            <a:ext cx="217042" cy="217042"/>
+          </a:xfrm>
+          <a:prstGeom prst="rect">
+            <a:avLst/>
+          </a:prstGeom>
+          <a:solidFill>
+            <a:srgbClr val="FFB407"/>
+          </a:solidFill>
+          <a:ln>
+            <a:noFill/>
+          </a:ln>
+          <a:effectLst>
+            <a:outerShdw blurRad="254000" dist="63500" dir="2700000" algn="tl" rotWithShape="0">
+              <a:prstClr val="black">
+                <a:alpha val="20000"/>
+              </a:prstClr>
+            </a:outerShdw>
+          </a:effectLst>
+        </p:spPr>
+        <p:style>
+          <a:lnRef idx="2">
+            <a:schemeClr val="accent1">
+              <a:shade val="50000"/>
+            </a:schemeClr>
+          </a:lnRef>
+          <a:fillRef idx="1">
+            <a:schemeClr val="accent1"/>
+          </a:fillRef>
+          <a:effectRef idx="0">
+            <a:schemeClr val="accent1"/>
+          </a:effectRef>
+          <a:fontRef idx="minor">
+            <a:schemeClr val="lt1"/>
+          </a:fontRef>
+        </p:style>
+        <p:txBody>
+          <a:bodyPr rtlCol="0" anchor="ctr"/>
+          <a:lstStyle/>
+          <a:p>
+            <a:pPr algn="ctr"/>
+            <a:endParaRPr lang="zh-CN" altLang="en-US"/>
+          </a:p>
+        </p:txBody>
+      </p:sp>
+      <p:sp>
+        <p:nvSpPr>
+          <p:cNvPr id="2" name="文本框 1">
+            <a:extLst>
+              <a:ext uri="{FF2B5EF4-FFF2-40B4-BE49-F238E27FC236}">
+                <a16:creationId xmlns:a16="http://schemas.microsoft.com/office/drawing/2014/main" id="{A0B6122C-5025-316D-ABDD-26BA81AE5792}"/>
+              </a:ext>
+            </a:extLst>
+          </p:cNvPr>
+          <p:cNvSpPr txBox="1"/>
+          <p:nvPr/>
+        </p:nvSpPr>
+        <p:spPr>
+          <a:xfrm>
+            <a:off x="3759625" y="2235200"/>
+            <a:ext cx="11238974" cy="4062651"/>
+          </a:xfrm>
+          <a:prstGeom prst="rect">
+            <a:avLst/>
+          </a:prstGeom>
+          <a:noFill/>
+        </p:spPr>
+        <p:txBody>
+          <a:bodyPr wrap="none" rtlCol="0">
+            <a:spAutoFit/>
+          </a:bodyPr>
+          <a:lstStyle/>
+          <a:p>
+            <a:r>
+              <a:rPr lang="en-US" altLang="zh-CN" sz="2400" b="1" dirty="0"/>
+              <a:t>-</a:t>
+            </a:r>
+            <a:r>
+              <a:rPr lang="zh-CN" altLang="en-US" sz="2400" b="1" dirty="0"/>
+              <a:t> 协作现状：需求→接口契约→后端→前端→测试，接口覆盖查询</a:t>
+            </a:r>
+            <a:r>
+              <a:rPr lang="en-US" altLang="zh-CN" sz="2400" b="1" dirty="0"/>
+              <a:t>/</a:t>
+            </a:r>
+            <a:r>
+              <a:rPr lang="zh-CN" altLang="en-US" sz="2400" b="1" dirty="0"/>
+              <a:t>详情</a:t>
+            </a:r>
+            <a:r>
+              <a:rPr lang="en-US" altLang="zh-CN" sz="2400" b="1" dirty="0"/>
+              <a:t>/</a:t>
+            </a:r>
+            <a:r>
+              <a:rPr lang="zh-CN" altLang="en-US" sz="2400" b="1" dirty="0"/>
+              <a:t>订单</a:t>
+            </a:r>
+            <a:r>
+              <a:rPr lang="en-US" altLang="zh-CN" sz="2400" b="1" dirty="0"/>
+              <a:t>/</a:t>
+            </a:r>
+            <a:r>
+              <a:rPr lang="zh-CN" altLang="en-US" sz="2400" b="1" dirty="0"/>
+              <a:t>鉴权</a:t>
+            </a:r>
+          </a:p>
+          <a:p>
+            <a:r>
+              <a:rPr lang="en-US" altLang="zh-CN" sz="2400" b="1" dirty="0"/>
+              <a:t>-</a:t>
+            </a:r>
+            <a:r>
+              <a:rPr lang="zh-CN" altLang="en-US" sz="2400" b="1" dirty="0"/>
+              <a:t> 待改进：</a:t>
+            </a:r>
+          </a:p>
+          <a:p>
+            <a:r>
+              <a:rPr lang="zh-CN" altLang="en-US" sz="2400" b="1" dirty="0"/>
+              <a:t>  </a:t>
+            </a:r>
+            <a:r>
+              <a:rPr lang="en-US" altLang="zh-CN" sz="2400" b="1" dirty="0"/>
+              <a:t>_</a:t>
+            </a:r>
+            <a:r>
+              <a:rPr lang="zh-CN" altLang="en-US" sz="2400" b="1" dirty="0"/>
+              <a:t> 登录成功跳转与忘记密码页面</a:t>
+            </a:r>
+          </a:p>
+          <a:p>
+            <a:r>
+              <a:rPr lang="zh-CN" altLang="en-US" sz="2400" b="1" dirty="0"/>
+              <a:t>  </a:t>
+            </a:r>
+            <a:r>
+              <a:rPr lang="en-US" altLang="zh-CN" sz="2400" b="1" dirty="0"/>
+              <a:t>_ </a:t>
+            </a:r>
+            <a:r>
+              <a:rPr lang="zh-CN" altLang="en-US" sz="2400" b="1" dirty="0"/>
+              <a:t>首页消费后端内容接口</a:t>
+            </a:r>
+          </a:p>
+          <a:p>
+            <a:r>
+              <a:rPr lang="zh-CN" altLang="en-US" sz="2400" b="1" dirty="0"/>
+              <a:t>  </a:t>
+            </a:r>
+            <a:r>
+              <a:rPr lang="en-US" altLang="zh-CN" sz="2400" b="1" dirty="0"/>
+              <a:t>_</a:t>
+            </a:r>
+            <a:r>
+              <a:rPr lang="zh-CN" altLang="en-US" sz="2400" b="1" dirty="0"/>
+              <a:t> 个人中心</a:t>
+            </a:r>
+            <a:r>
+              <a:rPr lang="en-US" altLang="zh-CN" sz="2400" b="1" dirty="0"/>
+              <a:t>API</a:t>
+            </a:r>
+            <a:r>
+              <a:rPr lang="zh-CN" altLang="en-US" sz="2400" b="1" dirty="0"/>
+              <a:t>与页面</a:t>
+            </a:r>
+          </a:p>
+          <a:p>
+            <a:r>
+              <a:rPr lang="en-US" altLang="zh-CN" sz="2400" b="1" dirty="0"/>
+              <a:t>-</a:t>
+            </a:r>
+            <a:r>
+              <a:rPr lang="zh-CN" altLang="en-US" sz="2400" b="1" dirty="0"/>
+              <a:t> 近期计划（至</a:t>
+            </a:r>
+            <a:r>
+              <a:rPr lang="en-US" altLang="zh-CN" sz="2400" b="1" dirty="0"/>
+              <a:t>11/17</a:t>
+            </a:r>
+            <a:r>
+              <a:rPr lang="zh-CN" altLang="en-US" sz="2400" b="1" dirty="0"/>
+              <a:t>）：</a:t>
+            </a:r>
+          </a:p>
+          <a:p>
+            <a:r>
+              <a:rPr lang="zh-CN" altLang="en-US" sz="2400" b="1" dirty="0"/>
+              <a:t>  </a:t>
+            </a:r>
+            <a:r>
+              <a:rPr lang="en-US" altLang="zh-CN" sz="2400" b="1" dirty="0"/>
+              <a:t>_</a:t>
+            </a:r>
+            <a:r>
+              <a:rPr lang="zh-CN" altLang="en-US" sz="2400" b="1" dirty="0"/>
+              <a:t> 补登录成功跳转：</a:t>
+            </a:r>
+            <a:r>
+              <a:rPr lang="en-US" altLang="zh-CN" sz="2400" b="1" dirty="0"/>
+              <a:t>`frontend/</a:t>
+            </a:r>
+            <a:r>
+              <a:rPr lang="en-US" altLang="zh-CN" sz="2400" b="1" dirty="0" err="1"/>
+              <a:t>src</a:t>
+            </a:r>
+            <a:r>
+              <a:rPr lang="en-US" altLang="zh-CN" sz="2400" b="1" dirty="0"/>
+              <a:t>/pages/LoginPage.tsx:73-77`</a:t>
+            </a:r>
+            <a:endParaRPr lang="zh-CN" altLang="en-US" sz="2400" b="1" dirty="0"/>
+          </a:p>
+          <a:p>
+            <a:r>
+              <a:rPr lang="zh-CN" altLang="en-US" sz="2400" b="1" dirty="0"/>
+              <a:t>  </a:t>
+            </a:r>
+            <a:r>
+              <a:rPr lang="en-US" altLang="zh-CN" sz="2400" b="1" dirty="0"/>
+              <a:t>_</a:t>
+            </a:r>
+            <a:r>
+              <a:rPr lang="zh-CN" altLang="en-US" sz="2400" b="1" dirty="0"/>
+              <a:t> 首页接入 </a:t>
+            </a:r>
+            <a:r>
+              <a:rPr lang="en-US" altLang="zh-CN" sz="2400" b="1" dirty="0"/>
+              <a:t>`GET /</a:t>
+            </a:r>
+            <a:r>
+              <a:rPr lang="en-US" altLang="zh-CN" sz="2400" b="1" dirty="0" err="1"/>
+              <a:t>api</a:t>
+            </a:r>
+            <a:r>
+              <a:rPr lang="en-US" altLang="zh-CN" sz="2400" b="1" dirty="0"/>
+              <a:t>/auth/homepage`</a:t>
+            </a:r>
+            <a:endParaRPr lang="zh-CN" altLang="en-US" sz="2400" b="1" dirty="0"/>
+          </a:p>
+          <a:p>
+            <a:r>
+              <a:rPr lang="zh-CN" altLang="en-US" sz="2400" b="1" dirty="0"/>
+              <a:t>  </a:t>
+            </a:r>
+            <a:r>
+              <a:rPr lang="en-US" altLang="zh-CN" sz="2400" b="1" dirty="0"/>
+              <a:t>_</a:t>
+            </a:r>
+            <a:r>
+              <a:rPr lang="zh-CN" altLang="en-US" sz="2400" b="1" dirty="0"/>
+              <a:t> 落地忘记密码页面，使用 </a:t>
+            </a:r>
+            <a:r>
+              <a:rPr lang="en-US" altLang="zh-CN" sz="2400" b="1" dirty="0"/>
+              <a:t>`GET /</a:t>
+            </a:r>
+            <a:r>
+              <a:rPr lang="en-US" altLang="zh-CN" sz="2400" b="1" dirty="0" err="1"/>
+              <a:t>api</a:t>
+            </a:r>
+            <a:r>
+              <a:rPr lang="en-US" altLang="zh-CN" sz="2400" b="1" dirty="0"/>
+              <a:t>/auth/forgot-password`</a:t>
+            </a:r>
+            <a:endParaRPr lang="zh-CN" altLang="en-US" sz="2400" b="1" dirty="0"/>
+          </a:p>
+          <a:p>
+            <a:r>
+              <a:rPr lang="zh-CN" altLang="en-US" sz="2400" b="1" dirty="0"/>
+              <a:t>  </a:t>
+            </a:r>
+            <a:r>
+              <a:rPr lang="en-US" altLang="zh-CN" sz="2400" b="1" dirty="0"/>
+              <a:t>_</a:t>
+            </a:r>
+            <a:r>
+              <a:rPr lang="zh-CN" altLang="en-US" sz="2400" b="1" dirty="0"/>
+              <a:t> 规划并实现个人中心</a:t>
+            </a:r>
+            <a:r>
+              <a:rPr lang="en-US" altLang="zh-CN" sz="2400" b="1" dirty="0"/>
+              <a:t>API</a:t>
+            </a:r>
+            <a:r>
+              <a:rPr lang="zh-CN" altLang="en-US" sz="2400" b="1" dirty="0"/>
+              <a:t>（资料、订单汇总）</a:t>
+            </a:r>
+          </a:p>
+          <a:p>
+            <a:endParaRPr lang="zh-CN" altLang="en-US" dirty="0"/>
+          </a:p>
+        </p:txBody>
+      </p:sp>
+    </p:spTree>
+    <p:extLst>
+      <p:ext uri="{BB962C8B-B14F-4D97-AF65-F5344CB8AC3E}">
+        <p14:creationId xmlns:p14="http://schemas.microsoft.com/office/powerpoint/2010/main" val="694348563"/>
+      </p:ext>
+    </p:extLst>
+  </p:cSld>
+  <p:clrMapOvr>
+    <a:masterClrMapping/>
+  </p:clrMapOvr>
+  <mc:AlternateContent xmlns:mc="http://schemas.openxmlformats.org/markup-compatibility/2006" xmlns:p14="http://schemas.microsoft.com/office/powerpoint/2010/main">
+    <mc:Choice Requires="p14">
+      <p:transition spd="slow" p14:dur="1250" advClick="0" advTm="3000">
+        <p14:flip dir="r"/>
+      </p:transition>
+    </mc:Choice>
+    <mc:Fallback xmlns="">
+      <p:transition spd="slow" advClick="0" advTm="3000">
+        <p:fade/>
+      </p:transition>
+    </mc:Fallback>
+  </mc:AlternateContent>
+  <p:timing>
+    <p:tnLst>
+      <p:par>
+        <p:cTn id="1" dur="indefinite" restart="never" nodeType="tmRoot">
+          <p:childTnLst>
+            <p:seq concurrent="1" nextAc="seek">
+              <p:cTn id="2" dur="indefinite" nodeType="mainSeq">
+                <p:childTnLst>
+                  <p:par>
+                    <p:cTn id="3" fill="hold">
+                      <p:stCondLst>
+                        <p:cond delay="indefinite"/>
+                        <p:cond evt="onBegin" delay="0">
+                          <p:tn val="2"/>
+                        </p:cond>
+                      </p:stCondLst>
+                      <p:childTnLst>
+                        <p:par>
+                          <p:cTn id="4" fill="hold">
+                            <p:stCondLst>
+                              <p:cond delay="0"/>
+                            </p:stCondLst>
+                            <p:childTnLst>
+                              <p:par>
+                                <p:cTn id="5" presetID="16" presetClass="entr" presetSubtype="21" fill="hold" grpId="0" nodeType="withEffect">
+                                  <p:stCondLst>
+                                    <p:cond delay="0"/>
+                                  </p:stCondLst>
+                                  <p:childTnLst>
+                                    <p:set>
+                                      <p:cBhvr>
+                                        <p:cTn id="6" dur="1" fill="hold">
+                                          <p:stCondLst>
+                                            <p:cond delay="0"/>
+                                          </p:stCondLst>
+                                        </p:cTn>
+                                        <p:tgtEl>
+                                          <p:spTgt spid="16"/>
+                                        </p:tgtEl>
+                                        <p:attrNameLst>
+                                          <p:attrName>style.visibility</p:attrName>
+                                        </p:attrNameLst>
+                                      </p:cBhvr>
+                                      <p:to>
+                                        <p:strVal val="visible"/>
+                                      </p:to>
+                                    </p:set>
+                                    <p:animEffect transition="in" filter="barn(inVertical)">
+                                      <p:cBhvr>
+                                        <p:cTn id="7" dur="500"/>
+                                        <p:tgtEl>
+                                          <p:spTgt spid="16"/>
+                                        </p:tgtEl>
+                                      </p:cBhvr>
+                                    </p:animEffect>
+                                  </p:childTnLst>
+                                </p:cTn>
+                              </p:par>
+                              <p:par>
+                                <p:cTn id="8" presetID="22" presetClass="entr" presetSubtype="1" fill="hold" grpId="0" nodeType="withEffect">
+                                  <p:stCondLst>
+                                    <p:cond delay="0"/>
+                                  </p:stCondLst>
+                                  <p:childTnLst>
+                                    <p:set>
+                                      <p:cBhvr>
+                                        <p:cTn id="9" dur="1" fill="hold">
+                                          <p:stCondLst>
+                                            <p:cond delay="0"/>
+                                          </p:stCondLst>
+                                        </p:cTn>
+                                        <p:tgtEl>
+                                          <p:spTgt spid="14"/>
+                                        </p:tgtEl>
+                                        <p:attrNameLst>
+                                          <p:attrName>style.visibility</p:attrName>
+                                        </p:attrNameLst>
+                                      </p:cBhvr>
+                                      <p:to>
+                                        <p:strVal val="visible"/>
+                                      </p:to>
+                                    </p:set>
+                                    <p:animEffect transition="in" filter="wipe(up)">
+                                      <p:cBhvr>
+                                        <p:cTn id="10" dur="500"/>
+                                        <p:tgtEl>
+                                          <p:spTgt spid="14"/>
+                                        </p:tgtEl>
+                                      </p:cBhvr>
+                                    </p:animEffect>
+                                  </p:childTnLst>
+                                </p:cTn>
+                              </p:par>
+                              <p:par>
+                                <p:cTn id="11" presetID="53" presetClass="entr" presetSubtype="16" fill="hold" grpId="0" nodeType="withEffect">
+                                  <p:stCondLst>
+                                    <p:cond delay="0"/>
+                                  </p:stCondLst>
+                                  <p:childTnLst>
+                                    <p:set>
+                                      <p:cBhvr>
+                                        <p:cTn id="12" dur="1" fill="hold">
+                                          <p:stCondLst>
+                                            <p:cond delay="0"/>
+                                          </p:stCondLst>
+                                        </p:cTn>
+                                        <p:tgtEl>
+                                          <p:spTgt spid="18"/>
+                                        </p:tgtEl>
+                                        <p:attrNameLst>
+                                          <p:attrName>style.visibility</p:attrName>
+                                        </p:attrNameLst>
+                                      </p:cBhvr>
+                                      <p:to>
+                                        <p:strVal val="visible"/>
+                                      </p:to>
+                                    </p:set>
+                                    <p:anim calcmode="lin" valueType="num">
+                                      <p:cBhvr>
+                                        <p:cTn id="13" dur="500" fill="hold"/>
+                                        <p:tgtEl>
+                                          <p:spTgt spid="18"/>
+                                        </p:tgtEl>
+                                        <p:attrNameLst>
+                                          <p:attrName>ppt_w</p:attrName>
+                                        </p:attrNameLst>
+                                      </p:cBhvr>
+                                      <p:tavLst>
+                                        <p:tav tm="0">
+                                          <p:val>
+                                            <p:fltVal val="0"/>
+                                          </p:val>
+                                        </p:tav>
+                                        <p:tav tm="100000">
+                                          <p:val>
+                                            <p:strVal val="#ppt_w"/>
+                                          </p:val>
+                                        </p:tav>
+                                      </p:tavLst>
+                                    </p:anim>
+                                    <p:anim calcmode="lin" valueType="num">
+                                      <p:cBhvr>
+                                        <p:cTn id="14" dur="500" fill="hold"/>
+                                        <p:tgtEl>
+                                          <p:spTgt spid="18"/>
+                                        </p:tgtEl>
+                                        <p:attrNameLst>
+                                          <p:attrName>ppt_h</p:attrName>
+                                        </p:attrNameLst>
+                                      </p:cBhvr>
+                                      <p:tavLst>
+                                        <p:tav tm="0">
+                                          <p:val>
+                                            <p:fltVal val="0"/>
+                                          </p:val>
+                                        </p:tav>
+                                        <p:tav tm="100000">
+                                          <p:val>
+                                            <p:strVal val="#ppt_h"/>
+                                          </p:val>
+                                        </p:tav>
+                                      </p:tavLst>
+                                    </p:anim>
+                                    <p:animEffect transition="in" filter="fade">
+                                      <p:cBhvr>
+                                        <p:cTn id="15" dur="500"/>
+                                        <p:tgtEl>
+                                          <p:spTgt spid="18"/>
+                                        </p:tgtEl>
+                                      </p:cBhvr>
+                                    </p:animEffect>
+                                  </p:childTnLst>
+                                </p:cTn>
+                              </p:par>
+                              <p:par>
+                                <p:cTn id="16" presetID="53" presetClass="entr" presetSubtype="16" fill="hold" grpId="0" nodeType="withEffect">
+                                  <p:stCondLst>
+                                    <p:cond delay="250"/>
+                                  </p:stCondLst>
+                                  <p:childTnLst>
+                                    <p:set>
+                                      <p:cBhvr>
+                                        <p:cTn id="17" dur="1" fill="hold">
+                                          <p:stCondLst>
+                                            <p:cond delay="0"/>
+                                          </p:stCondLst>
+                                        </p:cTn>
+                                        <p:tgtEl>
+                                          <p:spTgt spid="19"/>
+                                        </p:tgtEl>
+                                        <p:attrNameLst>
+                                          <p:attrName>style.visibility</p:attrName>
+                                        </p:attrNameLst>
+                                      </p:cBhvr>
+                                      <p:to>
+                                        <p:strVal val="visible"/>
+                                      </p:to>
+                                    </p:set>
+                                    <p:anim calcmode="lin" valueType="num">
+                                      <p:cBhvr>
+                                        <p:cTn id="18" dur="500" fill="hold"/>
+                                        <p:tgtEl>
+                                          <p:spTgt spid="19"/>
+                                        </p:tgtEl>
+                                        <p:attrNameLst>
+                                          <p:attrName>ppt_w</p:attrName>
+                                        </p:attrNameLst>
+                                      </p:cBhvr>
+                                      <p:tavLst>
+                                        <p:tav tm="0">
+                                          <p:val>
+                                            <p:fltVal val="0"/>
+                                          </p:val>
+                                        </p:tav>
+                                        <p:tav tm="100000">
+                                          <p:val>
+                                            <p:strVal val="#ppt_w"/>
+                                          </p:val>
+                                        </p:tav>
+                                      </p:tavLst>
+                                    </p:anim>
+                                    <p:anim calcmode="lin" valueType="num">
+                                      <p:cBhvr>
+                                        <p:cTn id="19" dur="500" fill="hold"/>
+                                        <p:tgtEl>
+                                          <p:spTgt spid="19"/>
+                                        </p:tgtEl>
+                                        <p:attrNameLst>
+                                          <p:attrName>ppt_h</p:attrName>
+                                        </p:attrNameLst>
+                                      </p:cBhvr>
+                                      <p:tavLst>
+                                        <p:tav tm="0">
+                                          <p:val>
+                                            <p:fltVal val="0"/>
+                                          </p:val>
+                                        </p:tav>
+                                        <p:tav tm="100000">
+                                          <p:val>
+                                            <p:strVal val="#ppt_h"/>
+                                          </p:val>
+                                        </p:tav>
+                                      </p:tavLst>
+                                    </p:anim>
+                                    <p:animEffect transition="in" filter="fade">
+                                      <p:cBhvr>
+                                        <p:cTn id="20" dur="500"/>
+                                        <p:tgtEl>
+                                          <p:spTgt spid="19"/>
+                                        </p:tgtEl>
+                                      </p:cBhvr>
+                                    </p:animEffect>
+                                  </p:childTnLst>
+                                </p:cTn>
+                              </p:par>
+                              <p:par>
+                                <p:cTn id="21" presetID="53" presetClass="entr" presetSubtype="16" fill="hold" grpId="0" nodeType="withEffect">
+                                  <p:stCondLst>
+                                    <p:cond delay="0"/>
+                                  </p:stCondLst>
+                                  <p:childTnLst>
+                                    <p:set>
+                                      <p:cBhvr>
+                                        <p:cTn id="22" dur="1" fill="hold">
+                                          <p:stCondLst>
+                                            <p:cond delay="0"/>
+                                          </p:stCondLst>
+                                        </p:cTn>
+                                        <p:tgtEl>
+                                          <p:spTgt spid="17"/>
+                                        </p:tgtEl>
+                                        <p:attrNameLst>
+                                          <p:attrName>style.visibility</p:attrName>
+                                        </p:attrNameLst>
+                                      </p:cBhvr>
+                                      <p:to>
+                                        <p:strVal val="visible"/>
+                                      </p:to>
+                                    </p:set>
+                                    <p:anim calcmode="lin" valueType="num">
+                                      <p:cBhvr>
+                                        <p:cTn id="23" dur="500" fill="hold"/>
+                                        <p:tgtEl>
+                                          <p:spTgt spid="17"/>
+                                        </p:tgtEl>
+                                        <p:attrNameLst>
+                                          <p:attrName>ppt_w</p:attrName>
+                                        </p:attrNameLst>
+                                      </p:cBhvr>
+                                      <p:tavLst>
+                                        <p:tav tm="0">
+                                          <p:val>
+                                            <p:fltVal val="0"/>
+                                          </p:val>
+                                        </p:tav>
+                                        <p:tav tm="100000">
+                                          <p:val>
+                                            <p:strVal val="#ppt_w"/>
+                                          </p:val>
+                                        </p:tav>
+                                      </p:tavLst>
+                                    </p:anim>
+                                    <p:anim calcmode="lin" valueType="num">
+                                      <p:cBhvr>
+                                        <p:cTn id="24" dur="500" fill="hold"/>
+                                        <p:tgtEl>
+                                          <p:spTgt spid="17"/>
+                                        </p:tgtEl>
+                                        <p:attrNameLst>
+                                          <p:attrName>ppt_h</p:attrName>
+                                        </p:attrNameLst>
+                                      </p:cBhvr>
+                                      <p:tavLst>
+                                        <p:tav tm="0">
+                                          <p:val>
+                                            <p:fltVal val="0"/>
+                                          </p:val>
+                                        </p:tav>
+                                        <p:tav tm="100000">
+                                          <p:val>
+                                            <p:strVal val="#ppt_h"/>
+                                          </p:val>
+                                        </p:tav>
+                                      </p:tavLst>
+                                    </p:anim>
+                                    <p:animEffect transition="in" filter="fade">
+                                      <p:cBhvr>
+                                        <p:cTn id="25" dur="500"/>
+                                        <p:tgtEl>
+                                          <p:spTgt spid="17"/>
+                                        </p:tgtEl>
+                                      </p:cBhvr>
+                                    </p:animEffect>
+                                  </p:childTnLst>
+                                </p:cTn>
+                              </p:par>
+                            </p:childTnLst>
+                          </p:cTn>
+                        </p:par>
+                        <p:par>
+                          <p:cTn id="26" fill="hold">
+                            <p:stCondLst>
+                              <p:cond delay="750"/>
+                            </p:stCondLst>
+                            <p:childTnLst>
+                              <p:par>
+                                <p:cTn id="27" presetID="16" presetClass="entr" presetSubtype="21" fill="hold" grpId="0" nodeType="afterEffect">
+                                  <p:stCondLst>
+                                    <p:cond delay="0"/>
+                                  </p:stCondLst>
+                                  <p:childTnLst>
+                                    <p:set>
+                                      <p:cBhvr>
+                                        <p:cTn id="28" dur="1" fill="hold">
+                                          <p:stCondLst>
+                                            <p:cond delay="0"/>
+                                          </p:stCondLst>
+                                        </p:cTn>
+                                        <p:tgtEl>
+                                          <p:spTgt spid="49"/>
+                                        </p:tgtEl>
+                                        <p:attrNameLst>
+                                          <p:attrName>style.visibility</p:attrName>
+                                        </p:attrNameLst>
+                                      </p:cBhvr>
+                                      <p:to>
+                                        <p:strVal val="visible"/>
+                                      </p:to>
+                                    </p:set>
+                                    <p:animEffect transition="in" filter="barn(inVertical)">
+                                      <p:cBhvr>
+                                        <p:cTn id="29" dur="500"/>
+                                        <p:tgtEl>
+                                          <p:spTgt spid="49"/>
+                                        </p:tgtEl>
+                                      </p:cBhvr>
+                                    </p:animEffect>
+                                  </p:childTnLst>
+                                </p:cTn>
+                              </p:par>
+                            </p:childTnLst>
+                          </p:cTn>
+                        </p:par>
+                      </p:childTnLst>
+                    </p:cTn>
+                  </p:par>
+                </p:childTnLst>
+              </p:cTn>
+              <p:prevCondLst>
+                <p:cond evt="onPrev" delay="0">
+                  <p:tgtEl>
+                    <p:sldTgt/>
+                  </p:tgtEl>
+                </p:cond>
+              </p:prevCondLst>
+              <p:nextCondLst>
+                <p:cond evt="onNext" delay="0">
+                  <p:tgtEl>
+                    <p:sldTgt/>
+                  </p:tgtEl>
+                </p:cond>
+              </p:nextCondLst>
+            </p:seq>
+          </p:childTnLst>
+        </p:cTn>
+      </p:par>
+    </p:tnLst>
+    <p:bldLst>
+      <p:bldP spid="49" grpId="0"/>
+      <p:bldP spid="14" grpId="0" animBg="1"/>
+      <p:bldP spid="16" grpId="0"/>
+      <p:bldP spid="17" grpId="0" animBg="1"/>
+      <p:bldP spid="18" grpId="0" animBg="1"/>
+      <p:bldP spid="19" grpId="0" animBg="1"/>
+    </p:bldLst>
+  </p:timing>
+</p:sld>
+</file>
+
+<file path=ppt/slides/slide11.xml><?xml version="1.0" encoding="utf-8"?>
 <p:sld xmlns:a="http://schemas.openxmlformats.org/drawingml/2006/main" xmlns:r="http://schemas.openxmlformats.org/officeDocument/2006/relationships" xmlns:p="http://schemas.openxmlformats.org/presentationml/2006/main">
   <p:cSld>
     <p:spTree>
@@ -9668,7 +10787,7 @@
 </p:sld>
 </file>
 
-<file path=ppt/slides/slide11.xml><?xml version="1.0" encoding="utf-8"?>
+<file path=ppt/slides/slide12.xml><?xml version="1.0" encoding="utf-8"?>
 <p:sld xmlns:a="http://schemas.openxmlformats.org/drawingml/2006/main" xmlns:r="http://schemas.openxmlformats.org/officeDocument/2006/relationships" xmlns:p="http://schemas.openxmlformats.org/presentationml/2006/main">
   <p:cSld>
     <p:spTree>
@@ -21627,7 +22746,7 @@
         <p:spPr>
           <a:xfrm>
             <a:off x="3759625" y="553591"/>
-            <a:ext cx="6264967" cy="977575"/>
+            <a:ext cx="6264967" cy="1802545"/>
           </a:xfrm>
           <a:prstGeom prst="rect">
             <a:avLst/>
@@ -21656,6 +22775,58 @@
                 <a:sym typeface="+mn-lt"/>
               </a:rPr>
               <a:t>成功案例</a:t>
+            </a:r>
+            <a:endParaRPr lang="en-US" altLang="zh-CN" sz="5400" b="1" dirty="0">
+              <a:solidFill>
+                <a:srgbClr val="554B4F"/>
+              </a:solidFill>
+              <a:latin typeface="方正黑体简体" panose="02010601030101010101" pitchFamily="2" charset="-122"/>
+              <a:ea typeface="方正黑体简体" panose="02010601030101010101" pitchFamily="2" charset="-122"/>
+              <a:cs typeface="+mn-ea"/>
+              <a:sym typeface="+mn-lt"/>
+            </a:endParaRPr>
+          </a:p>
+          <a:p>
+            <a:pPr algn="r">
+              <a:lnSpc>
+                <a:spcPct val="130000"/>
+              </a:lnSpc>
+            </a:pPr>
+            <a:r>
+              <a:rPr lang="zh-CN" altLang="en-US" sz="4000" b="1" dirty="0">
+                <a:solidFill>
+                  <a:srgbClr val="554B4F"/>
+                </a:solidFill>
+                <a:latin typeface="方正黑体简体" panose="02010601030101010101" pitchFamily="2" charset="-122"/>
+                <a:ea typeface="方正黑体简体" panose="02010601030101010101" pitchFamily="2" charset="-122"/>
+                <a:cs typeface="+mn-ea"/>
+                <a:sym typeface="+mn-lt"/>
+              </a:rPr>
+              <a:t>模型</a:t>
+            </a:r>
+            <a:r>
+              <a:rPr lang="en-US" altLang="zh-CN" sz="4000" b="1" dirty="0">
+                <a:solidFill>
+                  <a:srgbClr val="554B4F"/>
+                </a:solidFill>
+                <a:latin typeface="方正黑体简体" panose="02010601030101010101" pitchFamily="2" charset="-122"/>
+                <a:ea typeface="方正黑体简体" panose="02010601030101010101" pitchFamily="2" charset="-122"/>
+                <a:cs typeface="+mn-ea"/>
+                <a:sym typeface="+mn-lt"/>
+              </a:rPr>
+              <a:t>+</a:t>
+            </a:r>
+            <a:r>
+              <a:rPr lang="zh-CN" altLang="en-US" sz="4000" b="1" dirty="0">
+                <a:solidFill>
+                  <a:srgbClr val="554B4F"/>
+                </a:solidFill>
+                <a:latin typeface="方正黑体简体" panose="02010601030101010101" pitchFamily="2" charset="-122"/>
+                <a:ea typeface="方正黑体简体" panose="02010601030101010101" pitchFamily="2" charset="-122"/>
+                <a:cs typeface="+mn-ea"/>
+                <a:sym typeface="+mn-lt"/>
+              </a:rPr>
+              <a:t>测试驱动</a:t>
             </a:r>
           </a:p>
         </p:txBody>
@@ -21956,13 +23127,13 @@
   <p:clrMapOvr>
     <a:masterClrMapping/>
   </p:clrMapOvr>
-  <mc:AlternateContent xmlns:mc="http://schemas.openxmlformats.org/markup-compatibility/2006">
-    <mc:Choice xmlns:p14="http://schemas.microsoft.com/office/powerpoint/2010/main" Requires="p14">
+  <mc:AlternateContent xmlns:mc="http://schemas.openxmlformats.org/markup-compatibility/2006" xmlns:p14="http://schemas.microsoft.com/office/powerpoint/2010/main">
+    <mc:Choice Requires="p14">
       <p:transition spd="slow" p14:dur="1250" advClick="0" advTm="3000">
         <p14:flip dir="r"/>
       </p:transition>
     </mc:Choice>
-    <mc:Fallback>
+    <mc:Fallback xmlns="">
       <p:transition spd="slow" advClick="0" advTm="3000">
         <p:fade/>
       </p:transition>
@@ -22388,6 +23559,120 @@
 </file>
 
 <file path=ppt/slides/slide8.xml><?xml version="1.0" encoding="utf-8"?>
+<p:sld xmlns:a="http://schemas.openxmlformats.org/drawingml/2006/main" xmlns:r="http://schemas.openxmlformats.org/officeDocument/2006/relationships" xmlns:p="http://schemas.openxmlformats.org/presentationml/2006/main">
+  <p:cSld>
+    <p:spTree>
+      <p:nvGrpSpPr>
+        <p:cNvPr id="1" name=""/>
+        <p:cNvGrpSpPr/>
+        <p:nvPr/>
+      </p:nvGrpSpPr>
+      <p:grpSpPr>
+        <a:xfrm>
+          <a:off x="0" y="0"/>
+          <a:ext cx="0" cy="0"/>
+          <a:chOff x="0" y="0"/>
+          <a:chExt cx="0" cy="0"/>
+        </a:xfrm>
+      </p:grpSpPr>
+      <p:pic>
+        <p:nvPicPr>
+          <p:cNvPr id="3" name="图片 2" descr="图形用户界面&#10;&#10;AI 生成的内容可能不正确。">
+            <a:extLst>
+              <a:ext uri="{FF2B5EF4-FFF2-40B4-BE49-F238E27FC236}">
+                <a16:creationId xmlns:a16="http://schemas.microsoft.com/office/drawing/2014/main" id="{E9FDB7CB-1255-0CA1-79A1-4FFC3494C18A}"/>
+              </a:ext>
+            </a:extLst>
+          </p:cNvPr>
+          <p:cNvPicPr>
+            <a:picLocks noChangeAspect="1"/>
+          </p:cNvPicPr>
+          <p:nvPr/>
+        </p:nvPicPr>
+        <p:blipFill>
+          <a:blip r:embed="rId2">
+            <a:extLst>
+              <a:ext uri="{28A0092B-C50C-407E-A947-70E740481C1C}">
+                <a14:useLocalDpi xmlns:a14="http://schemas.microsoft.com/office/drawing/2010/main" val="0"/>
+              </a:ext>
+            </a:extLst>
+          </a:blip>
+          <a:stretch>
+            <a:fillRect/>
+          </a:stretch>
+        </p:blipFill>
+        <p:spPr>
+          <a:xfrm>
+            <a:off x="0" y="700519"/>
+            <a:ext cx="12192000" cy="5456961"/>
+          </a:xfrm>
+          <a:prstGeom prst="rect">
+            <a:avLst/>
+          </a:prstGeom>
+        </p:spPr>
+      </p:pic>
+      <p:sp>
+        <p:nvSpPr>
+          <p:cNvPr id="4" name="文本框 3">
+            <a:extLst>
+              <a:ext uri="{FF2B5EF4-FFF2-40B4-BE49-F238E27FC236}">
+                <a16:creationId xmlns:a16="http://schemas.microsoft.com/office/drawing/2014/main" id="{2D45148B-506E-274C-0931-4C8763D61F53}"/>
+              </a:ext>
+            </a:extLst>
+          </p:cNvPr>
+          <p:cNvSpPr txBox="1"/>
+          <p:nvPr/>
+        </p:nvSpPr>
+        <p:spPr>
+          <a:xfrm>
+            <a:off x="365760" y="160787"/>
+            <a:ext cx="2926080" cy="369332"/>
+          </a:xfrm>
+          <a:prstGeom prst="rect">
+            <a:avLst/>
+          </a:prstGeom>
+          <a:noFill/>
+        </p:spPr>
+        <p:txBody>
+          <a:bodyPr wrap="square" rtlCol="0">
+            <a:spAutoFit/>
+          </a:bodyPr>
+          <a:lstStyle/>
+          <a:p>
+            <a:r>
+              <a:rPr lang="zh-CN" altLang="en-US"/>
+              <a:t>首页</a:t>
+            </a:r>
+            <a:endParaRPr lang="zh-CN" altLang="en-US" dirty="0"/>
+          </a:p>
+        </p:txBody>
+      </p:sp>
+    </p:spTree>
+    <p:extLst>
+      <p:ext uri="{BB962C8B-B14F-4D97-AF65-F5344CB8AC3E}">
+        <p14:creationId xmlns:p14="http://schemas.microsoft.com/office/powerpoint/2010/main" val="141361637"/>
+      </p:ext>
+    </p:extLst>
+  </p:cSld>
+  <p:clrMapOvr>
+    <a:masterClrMapping/>
+  </p:clrMapOvr>
+  <mc:AlternateContent xmlns:mc="http://schemas.openxmlformats.org/markup-compatibility/2006" xmlns:p14="http://schemas.microsoft.com/office/powerpoint/2010/main">
+    <mc:Choice Requires="p14">
+      <p:transition spd="slow" p14:dur="1500" advTm="3000">
+        <p:random/>
+      </p:transition>
+    </mc:Choice>
+    <mc:Fallback xmlns="">
+      <p:transition spd="slow" advTm="3000">
+        <p:random/>
+      </p:transition>
+    </mc:Fallback>
+  </mc:AlternateContent>
+</p:sld>
+</file>
+
+<file path=ppt/slides/slide9.xml><?xml version="1.0" encoding="utf-8"?>
 <p:sld xmlns:a="http://schemas.openxmlformats.org/drawingml/2006/main" xmlns:r="http://schemas.openxmlformats.org/officeDocument/2006/relationships" xmlns:p="http://schemas.openxmlformats.org/presentationml/2006/main">
   <p:cSld>
     <p:spTree>
@@ -22827,1131 +24112,13 @@
   <p:clrMapOvr>
     <a:masterClrMapping/>
   </p:clrMapOvr>
-  <mc:AlternateContent xmlns:mc="http://schemas.openxmlformats.org/markup-compatibility/2006">
-    <mc:Choice xmlns:p14="http://schemas.microsoft.com/office/powerpoint/2010/main" Requires="p14">
+  <mc:AlternateContent xmlns:mc="http://schemas.openxmlformats.org/markup-compatibility/2006" xmlns:p14="http://schemas.microsoft.com/office/powerpoint/2010/main">
+    <mc:Choice Requires="p14">
       <p:transition spd="slow" p14:dur="1250" advClick="0" advTm="3000">
         <p14:flip dir="r"/>
       </p:transition>
     </mc:Choice>
-    <mc:Fallback>
-      <p:transition spd="slow" advClick="0" advTm="3000">
-        <p:fade/>
-      </p:transition>
-    </mc:Fallback>
-  </mc:AlternateContent>
-  <p:timing>
-    <p:tnLst>
-      <p:par>
-        <p:cTn id="1" dur="indefinite" restart="never" nodeType="tmRoot">
-          <p:childTnLst>
-            <p:seq concurrent="1" nextAc="seek">
-              <p:cTn id="2" dur="indefinite" nodeType="mainSeq">
-                <p:childTnLst>
-                  <p:par>
-                    <p:cTn id="3" fill="hold">
-                      <p:stCondLst>
-                        <p:cond delay="indefinite"/>
-                        <p:cond evt="onBegin" delay="0">
-                          <p:tn val="2"/>
-                        </p:cond>
-                      </p:stCondLst>
-                      <p:childTnLst>
-                        <p:par>
-                          <p:cTn id="4" fill="hold">
-                            <p:stCondLst>
-                              <p:cond delay="0"/>
-                            </p:stCondLst>
-                            <p:childTnLst>
-                              <p:par>
-                                <p:cTn id="5" presetID="16" presetClass="entr" presetSubtype="21" fill="hold" grpId="0" nodeType="withEffect">
-                                  <p:stCondLst>
-                                    <p:cond delay="0"/>
-                                  </p:stCondLst>
-                                  <p:childTnLst>
-                                    <p:set>
-                                      <p:cBhvr>
-                                        <p:cTn id="6" dur="1" fill="hold">
-                                          <p:stCondLst>
-                                            <p:cond delay="0"/>
-                                          </p:stCondLst>
-                                        </p:cTn>
-                                        <p:tgtEl>
-                                          <p:spTgt spid="16"/>
-                                        </p:tgtEl>
-                                        <p:attrNameLst>
-                                          <p:attrName>style.visibility</p:attrName>
-                                        </p:attrNameLst>
-                                      </p:cBhvr>
-                                      <p:to>
-                                        <p:strVal val="visible"/>
-                                      </p:to>
-                                    </p:set>
-                                    <p:animEffect transition="in" filter="barn(inVertical)">
-                                      <p:cBhvr>
-                                        <p:cTn id="7" dur="500"/>
-                                        <p:tgtEl>
-                                          <p:spTgt spid="16"/>
-                                        </p:tgtEl>
-                                      </p:cBhvr>
-                                    </p:animEffect>
-                                  </p:childTnLst>
-                                </p:cTn>
-                              </p:par>
-                              <p:par>
-                                <p:cTn id="8" presetID="22" presetClass="entr" presetSubtype="1" fill="hold" grpId="0" nodeType="withEffect">
-                                  <p:stCondLst>
-                                    <p:cond delay="0"/>
-                                  </p:stCondLst>
-                                  <p:childTnLst>
-                                    <p:set>
-                                      <p:cBhvr>
-                                        <p:cTn id="9" dur="1" fill="hold">
-                                          <p:stCondLst>
-                                            <p:cond delay="0"/>
-                                          </p:stCondLst>
-                                        </p:cTn>
-                                        <p:tgtEl>
-                                          <p:spTgt spid="14"/>
-                                        </p:tgtEl>
-                                        <p:attrNameLst>
-                                          <p:attrName>style.visibility</p:attrName>
-                                        </p:attrNameLst>
-                                      </p:cBhvr>
-                                      <p:to>
-                                        <p:strVal val="visible"/>
-                                      </p:to>
-                                    </p:set>
-                                    <p:animEffect transition="in" filter="wipe(up)">
-                                      <p:cBhvr>
-                                        <p:cTn id="10" dur="500"/>
-                                        <p:tgtEl>
-                                          <p:spTgt spid="14"/>
-                                        </p:tgtEl>
-                                      </p:cBhvr>
-                                    </p:animEffect>
-                                  </p:childTnLst>
-                                </p:cTn>
-                              </p:par>
-                              <p:par>
-                                <p:cTn id="11" presetID="53" presetClass="entr" presetSubtype="16" fill="hold" grpId="0" nodeType="withEffect">
-                                  <p:stCondLst>
-                                    <p:cond delay="0"/>
-                                  </p:stCondLst>
-                                  <p:childTnLst>
-                                    <p:set>
-                                      <p:cBhvr>
-                                        <p:cTn id="12" dur="1" fill="hold">
-                                          <p:stCondLst>
-                                            <p:cond delay="0"/>
-                                          </p:stCondLst>
-                                        </p:cTn>
-                                        <p:tgtEl>
-                                          <p:spTgt spid="18"/>
-                                        </p:tgtEl>
-                                        <p:attrNameLst>
-                                          <p:attrName>style.visibility</p:attrName>
-                                        </p:attrNameLst>
-                                      </p:cBhvr>
-                                      <p:to>
-                                        <p:strVal val="visible"/>
-                                      </p:to>
-                                    </p:set>
-                                    <p:anim calcmode="lin" valueType="num">
-                                      <p:cBhvr>
-                                        <p:cTn id="13" dur="500" fill="hold"/>
-                                        <p:tgtEl>
-                                          <p:spTgt spid="18"/>
-                                        </p:tgtEl>
-                                        <p:attrNameLst>
-                                          <p:attrName>ppt_w</p:attrName>
-                                        </p:attrNameLst>
-                                      </p:cBhvr>
-                                      <p:tavLst>
-                                        <p:tav tm="0">
-                                          <p:val>
-                                            <p:fltVal val="0"/>
-                                          </p:val>
-                                        </p:tav>
-                                        <p:tav tm="100000">
-                                          <p:val>
-                                            <p:strVal val="#ppt_w"/>
-                                          </p:val>
-                                        </p:tav>
-                                      </p:tavLst>
-                                    </p:anim>
-                                    <p:anim calcmode="lin" valueType="num">
-                                      <p:cBhvr>
-                                        <p:cTn id="14" dur="500" fill="hold"/>
-                                        <p:tgtEl>
-                                          <p:spTgt spid="18"/>
-                                        </p:tgtEl>
-                                        <p:attrNameLst>
-                                          <p:attrName>ppt_h</p:attrName>
-                                        </p:attrNameLst>
-                                      </p:cBhvr>
-                                      <p:tavLst>
-                                        <p:tav tm="0">
-                                          <p:val>
-                                            <p:fltVal val="0"/>
-                                          </p:val>
-                                        </p:tav>
-                                        <p:tav tm="100000">
-                                          <p:val>
-                                            <p:strVal val="#ppt_h"/>
-                                          </p:val>
-                                        </p:tav>
-                                      </p:tavLst>
-                                    </p:anim>
-                                    <p:animEffect transition="in" filter="fade">
-                                      <p:cBhvr>
-                                        <p:cTn id="15" dur="500"/>
-                                        <p:tgtEl>
-                                          <p:spTgt spid="18"/>
-                                        </p:tgtEl>
-                                      </p:cBhvr>
-                                    </p:animEffect>
-                                  </p:childTnLst>
-                                </p:cTn>
-                              </p:par>
-                              <p:par>
-                                <p:cTn id="16" presetID="53" presetClass="entr" presetSubtype="16" fill="hold" grpId="0" nodeType="withEffect">
-                                  <p:stCondLst>
-                                    <p:cond delay="250"/>
-                                  </p:stCondLst>
-                                  <p:childTnLst>
-                                    <p:set>
-                                      <p:cBhvr>
-                                        <p:cTn id="17" dur="1" fill="hold">
-                                          <p:stCondLst>
-                                            <p:cond delay="0"/>
-                                          </p:stCondLst>
-                                        </p:cTn>
-                                        <p:tgtEl>
-                                          <p:spTgt spid="19"/>
-                                        </p:tgtEl>
-                                        <p:attrNameLst>
-                                          <p:attrName>style.visibility</p:attrName>
-                                        </p:attrNameLst>
-                                      </p:cBhvr>
-                                      <p:to>
-                                        <p:strVal val="visible"/>
-                                      </p:to>
-                                    </p:set>
-                                    <p:anim calcmode="lin" valueType="num">
-                                      <p:cBhvr>
-                                        <p:cTn id="18" dur="500" fill="hold"/>
-                                        <p:tgtEl>
-                                          <p:spTgt spid="19"/>
-                                        </p:tgtEl>
-                                        <p:attrNameLst>
-                                          <p:attrName>ppt_w</p:attrName>
-                                        </p:attrNameLst>
-                                      </p:cBhvr>
-                                      <p:tavLst>
-                                        <p:tav tm="0">
-                                          <p:val>
-                                            <p:fltVal val="0"/>
-                                          </p:val>
-                                        </p:tav>
-                                        <p:tav tm="100000">
-                                          <p:val>
-                                            <p:strVal val="#ppt_w"/>
-                                          </p:val>
-                                        </p:tav>
-                                      </p:tavLst>
-                                    </p:anim>
-                                    <p:anim calcmode="lin" valueType="num">
-                                      <p:cBhvr>
-                                        <p:cTn id="19" dur="500" fill="hold"/>
-                                        <p:tgtEl>
-                                          <p:spTgt spid="19"/>
-                                        </p:tgtEl>
-                                        <p:attrNameLst>
-                                          <p:attrName>ppt_h</p:attrName>
-                                        </p:attrNameLst>
-                                      </p:cBhvr>
-                                      <p:tavLst>
-                                        <p:tav tm="0">
-                                          <p:val>
-                                            <p:fltVal val="0"/>
-                                          </p:val>
-                                        </p:tav>
-                                        <p:tav tm="100000">
-                                          <p:val>
-                                            <p:strVal val="#ppt_h"/>
-                                          </p:val>
-                                        </p:tav>
-                                      </p:tavLst>
-                                    </p:anim>
-                                    <p:animEffect transition="in" filter="fade">
-                                      <p:cBhvr>
-                                        <p:cTn id="20" dur="500"/>
-                                        <p:tgtEl>
-                                          <p:spTgt spid="19"/>
-                                        </p:tgtEl>
-                                      </p:cBhvr>
-                                    </p:animEffect>
-                                  </p:childTnLst>
-                                </p:cTn>
-                              </p:par>
-                              <p:par>
-                                <p:cTn id="21" presetID="53" presetClass="entr" presetSubtype="16" fill="hold" grpId="0" nodeType="withEffect">
-                                  <p:stCondLst>
-                                    <p:cond delay="0"/>
-                                  </p:stCondLst>
-                                  <p:childTnLst>
-                                    <p:set>
-                                      <p:cBhvr>
-                                        <p:cTn id="22" dur="1" fill="hold">
-                                          <p:stCondLst>
-                                            <p:cond delay="0"/>
-                                          </p:stCondLst>
-                                        </p:cTn>
-                                        <p:tgtEl>
-                                          <p:spTgt spid="17"/>
-                                        </p:tgtEl>
-                                        <p:attrNameLst>
-                                          <p:attrName>style.visibility</p:attrName>
-                                        </p:attrNameLst>
-                                      </p:cBhvr>
-                                      <p:to>
-                                        <p:strVal val="visible"/>
-                                      </p:to>
-                                    </p:set>
-                                    <p:anim calcmode="lin" valueType="num">
-                                      <p:cBhvr>
-                                        <p:cTn id="23" dur="500" fill="hold"/>
-                                        <p:tgtEl>
-                                          <p:spTgt spid="17"/>
-                                        </p:tgtEl>
-                                        <p:attrNameLst>
-                                          <p:attrName>ppt_w</p:attrName>
-                                        </p:attrNameLst>
-                                      </p:cBhvr>
-                                      <p:tavLst>
-                                        <p:tav tm="0">
-                                          <p:val>
-                                            <p:fltVal val="0"/>
-                                          </p:val>
-                                        </p:tav>
-                                        <p:tav tm="100000">
-                                          <p:val>
-                                            <p:strVal val="#ppt_w"/>
-                                          </p:val>
-                                        </p:tav>
-                                      </p:tavLst>
-                                    </p:anim>
-                                    <p:anim calcmode="lin" valueType="num">
-                                      <p:cBhvr>
-                                        <p:cTn id="24" dur="500" fill="hold"/>
-                                        <p:tgtEl>
-                                          <p:spTgt spid="17"/>
-                                        </p:tgtEl>
-                                        <p:attrNameLst>
-                                          <p:attrName>ppt_h</p:attrName>
-                                        </p:attrNameLst>
-                                      </p:cBhvr>
-                                      <p:tavLst>
-                                        <p:tav tm="0">
-                                          <p:val>
-                                            <p:fltVal val="0"/>
-                                          </p:val>
-                                        </p:tav>
-                                        <p:tav tm="100000">
-                                          <p:val>
-                                            <p:strVal val="#ppt_h"/>
-                                          </p:val>
-                                        </p:tav>
-                                      </p:tavLst>
-                                    </p:anim>
-                                    <p:animEffect transition="in" filter="fade">
-                                      <p:cBhvr>
-                                        <p:cTn id="25" dur="500"/>
-                                        <p:tgtEl>
-                                          <p:spTgt spid="17"/>
-                                        </p:tgtEl>
-                                      </p:cBhvr>
-                                    </p:animEffect>
-                                  </p:childTnLst>
-                                </p:cTn>
-                              </p:par>
-                            </p:childTnLst>
-                          </p:cTn>
-                        </p:par>
-                        <p:par>
-                          <p:cTn id="26" fill="hold">
-                            <p:stCondLst>
-                              <p:cond delay="750"/>
-                            </p:stCondLst>
-                            <p:childTnLst>
-                              <p:par>
-                                <p:cTn id="27" presetID="16" presetClass="entr" presetSubtype="21" fill="hold" grpId="0" nodeType="afterEffect">
-                                  <p:stCondLst>
-                                    <p:cond delay="0"/>
-                                  </p:stCondLst>
-                                  <p:childTnLst>
-                                    <p:set>
-                                      <p:cBhvr>
-                                        <p:cTn id="28" dur="1" fill="hold">
-                                          <p:stCondLst>
-                                            <p:cond delay="0"/>
-                                          </p:stCondLst>
-                                        </p:cTn>
-                                        <p:tgtEl>
-                                          <p:spTgt spid="49"/>
-                                        </p:tgtEl>
-                                        <p:attrNameLst>
-                                          <p:attrName>style.visibility</p:attrName>
-                                        </p:attrNameLst>
-                                      </p:cBhvr>
-                                      <p:to>
-                                        <p:strVal val="visible"/>
-                                      </p:to>
-                                    </p:set>
-                                    <p:animEffect transition="in" filter="barn(inVertical)">
-                                      <p:cBhvr>
-                                        <p:cTn id="29" dur="500"/>
-                                        <p:tgtEl>
-                                          <p:spTgt spid="49"/>
-                                        </p:tgtEl>
-                                      </p:cBhvr>
-                                    </p:animEffect>
-                                  </p:childTnLst>
-                                </p:cTn>
-                              </p:par>
-                            </p:childTnLst>
-                          </p:cTn>
-                        </p:par>
-                      </p:childTnLst>
-                    </p:cTn>
-                  </p:par>
-                </p:childTnLst>
-              </p:cTn>
-              <p:prevCondLst>
-                <p:cond evt="onPrev" delay="0">
-                  <p:tgtEl>
-                    <p:sldTgt/>
-                  </p:tgtEl>
-                </p:cond>
-              </p:prevCondLst>
-              <p:nextCondLst>
-                <p:cond evt="onNext" delay="0">
-                  <p:tgtEl>
-                    <p:sldTgt/>
-                  </p:tgtEl>
-                </p:cond>
-              </p:nextCondLst>
-            </p:seq>
-          </p:childTnLst>
-        </p:cTn>
-      </p:par>
-    </p:tnLst>
-    <p:bldLst>
-      <p:bldP spid="49" grpId="0"/>
-      <p:bldP spid="14" grpId="0" animBg="1"/>
-      <p:bldP spid="16" grpId="0"/>
-      <p:bldP spid="17" grpId="0" animBg="1"/>
-      <p:bldP spid="18" grpId="0" animBg="1"/>
-      <p:bldP spid="19" grpId="0" animBg="1"/>
-    </p:bldLst>
-  </p:timing>
-</p:sld>
-</file>
-
-<file path=ppt/slides/slide9.xml><?xml version="1.0" encoding="utf-8"?>
-<p:sld xmlns:a="http://schemas.openxmlformats.org/drawingml/2006/main" xmlns:r="http://schemas.openxmlformats.org/officeDocument/2006/relationships" xmlns:p="http://schemas.openxmlformats.org/presentationml/2006/main">
-  <p:cSld>
-    <p:spTree>
-      <p:nvGrpSpPr>
-        <p:cNvPr id="1" name="">
-          <a:extLst>
-            <a:ext uri="{FF2B5EF4-FFF2-40B4-BE49-F238E27FC236}">
-              <a16:creationId xmlns:a16="http://schemas.microsoft.com/office/drawing/2014/main" id="{FD7AC57D-0B57-ABCF-119B-63F69B5C4141}"/>
-            </a:ext>
-          </a:extLst>
-        </p:cNvPr>
-        <p:cNvGrpSpPr/>
-        <p:nvPr/>
-      </p:nvGrpSpPr>
-      <p:grpSpPr>
-        <a:xfrm>
-          <a:off x="0" y="0"/>
-          <a:ext cx="0" cy="0"/>
-          <a:chOff x="0" y="0"/>
-          <a:chExt cx="0" cy="0"/>
-        </a:xfrm>
-      </p:grpSpPr>
-      <p:sp>
-        <p:nvSpPr>
-          <p:cNvPr id="4" name="TextBox 3">
-            <a:extLst>
-              <a:ext uri="{FF2B5EF4-FFF2-40B4-BE49-F238E27FC236}">
-                <a16:creationId xmlns:a16="http://schemas.microsoft.com/office/drawing/2014/main" id="{61A4047B-3AC8-8F65-9011-5558C2959212}"/>
-              </a:ext>
-            </a:extLst>
-          </p:cNvPr>
-          <p:cNvSpPr txBox="1"/>
-          <p:nvPr/>
-        </p:nvSpPr>
-        <p:spPr>
-          <a:xfrm>
-            <a:off x="407380" y="223097"/>
-            <a:ext cx="540060" cy="118430"/>
-          </a:xfrm>
-          <a:prstGeom prst="rect">
-            <a:avLst/>
-          </a:prstGeom>
-          <a:noFill/>
-        </p:spPr>
-        <p:txBody>
-          <a:bodyPr wrap="square" rtlCol="0">
-            <a:spAutoFit/>
-          </a:bodyPr>
-          <a:lstStyle/>
-          <a:p>
-            <a:pPr>
-              <a:lnSpc>
-                <a:spcPct val="200000"/>
-              </a:lnSpc>
-            </a:pPr>
-            <a:r>
-              <a:rPr lang="en-US" altLang="zh-CN" sz="100" dirty="0">
-                <a:noFill/>
-                <a:latin typeface="微软雅黑" panose="020B0503020204020204" pitchFamily="34" charset="-122"/>
-                <a:ea typeface="微软雅黑" panose="020B0503020204020204" pitchFamily="34" charset="-122"/>
-              </a:rPr>
-              <a:t>PPT</a:t>
-            </a:r>
-            <a:r>
-              <a:rPr lang="zh-CN" altLang="en-US" sz="100" dirty="0">
-                <a:noFill/>
-                <a:latin typeface="微软雅黑" panose="020B0503020204020204" pitchFamily="34" charset="-122"/>
-                <a:ea typeface="微软雅黑" panose="020B0503020204020204" pitchFamily="34" charset="-122"/>
-              </a:rPr>
-              <a:t>模板 </a:t>
-            </a:r>
-            <a:r>
-              <a:rPr lang="en-US" altLang="zh-CN" sz="100" dirty="0">
-                <a:noFill/>
-                <a:latin typeface="微软雅黑" panose="020B0503020204020204" pitchFamily="34" charset="-122"/>
-                <a:ea typeface="微软雅黑" panose="020B0503020204020204" pitchFamily="34" charset="-122"/>
-              </a:rPr>
-              <a:t>http://www.1ppt.com/moban/</a:t>
-            </a:r>
-            <a:r>
-              <a:rPr lang="zh-CN" altLang="en-US" sz="100" dirty="0">
-                <a:noFill/>
-                <a:latin typeface="微软雅黑" panose="020B0503020204020204" pitchFamily="34" charset="-122"/>
-                <a:ea typeface="微软雅黑" panose="020B0503020204020204" pitchFamily="34" charset="-122"/>
-              </a:rPr>
-              <a:t> </a:t>
-            </a:r>
-            <a:endParaRPr lang="en-US" altLang="zh-CN" sz="100" dirty="0">
-              <a:noFill/>
-              <a:latin typeface="微软雅黑" panose="020B0503020204020204" pitchFamily="34" charset="-122"/>
-              <a:ea typeface="微软雅黑" panose="020B0503020204020204" pitchFamily="34" charset="-122"/>
-            </a:endParaRPr>
-          </a:p>
-        </p:txBody>
-      </p:sp>
-      <p:sp>
-        <p:nvSpPr>
-          <p:cNvPr id="49" name="TextBox 48">
-            <a:extLst>
-              <a:ext uri="{FF2B5EF4-FFF2-40B4-BE49-F238E27FC236}">
-                <a16:creationId xmlns:a16="http://schemas.microsoft.com/office/drawing/2014/main" id="{4AFE153F-D31C-4702-DBAE-37A83D304424}"/>
-              </a:ext>
-            </a:extLst>
-          </p:cNvPr>
-          <p:cNvSpPr txBox="1"/>
-          <p:nvPr/>
-        </p:nvSpPr>
-        <p:spPr>
-          <a:xfrm>
-            <a:off x="3759625" y="553591"/>
-            <a:ext cx="6264967" cy="975011"/>
-          </a:xfrm>
-          <a:prstGeom prst="rect">
-            <a:avLst/>
-          </a:prstGeom>
-          <a:noFill/>
-        </p:spPr>
-        <p:txBody>
-          <a:bodyPr wrap="square" lIns="0" tIns="0" rIns="0" bIns="0" rtlCol="0">
-            <a:spAutoFit/>
-          </a:bodyPr>
-          <a:lstStyle/>
-          <a:p>
-            <a:pPr>
-              <a:lnSpc>
-                <a:spcPct val="130000"/>
-              </a:lnSpc>
-            </a:pPr>
-            <a:r>
-              <a:rPr lang="zh-CN" altLang="en-US" sz="5400" b="1" dirty="0">
-                <a:solidFill>
-                  <a:srgbClr val="554B4F"/>
-                </a:solidFill>
-                <a:latin typeface="方正黑体简体" panose="02010601030101010101" pitchFamily="2" charset="-122"/>
-                <a:ea typeface="方正黑体简体" panose="02010601030101010101" pitchFamily="2" charset="-122"/>
-                <a:cs typeface="+mn-ea"/>
-                <a:sym typeface="+mn-lt"/>
-              </a:rPr>
-              <a:t>团队协作与展望</a:t>
-            </a:r>
-          </a:p>
-        </p:txBody>
-      </p:sp>
-      <p:sp>
-        <p:nvSpPr>
-          <p:cNvPr id="14" name="矩形 13">
-            <a:extLst>
-              <a:ext uri="{FF2B5EF4-FFF2-40B4-BE49-F238E27FC236}">
-                <a16:creationId xmlns:a16="http://schemas.microsoft.com/office/drawing/2014/main" id="{B0C03E6D-D2EF-9A08-301F-EFA800AC8816}"/>
-              </a:ext>
-            </a:extLst>
-          </p:cNvPr>
-          <p:cNvSpPr/>
-          <p:nvPr/>
-        </p:nvSpPr>
-        <p:spPr>
-          <a:xfrm>
-            <a:off x="1179690" y="963297"/>
-            <a:ext cx="1845738" cy="4199253"/>
-          </a:xfrm>
-          <a:prstGeom prst="rect">
-            <a:avLst/>
-          </a:prstGeom>
-          <a:solidFill>
-            <a:srgbClr val="596784"/>
-          </a:solidFill>
-          <a:ln>
-            <a:noFill/>
-          </a:ln>
-          <a:effectLst>
-            <a:outerShdw blurRad="254000" dist="63500" dir="2700000" algn="tl" rotWithShape="0">
-              <a:prstClr val="black">
-                <a:alpha val="20000"/>
-              </a:prstClr>
-            </a:outerShdw>
-          </a:effectLst>
-        </p:spPr>
-        <p:style>
-          <a:lnRef idx="2">
-            <a:schemeClr val="accent1">
-              <a:shade val="50000"/>
-            </a:schemeClr>
-          </a:lnRef>
-          <a:fillRef idx="1">
-            <a:schemeClr val="accent1"/>
-          </a:fillRef>
-          <a:effectRef idx="0">
-            <a:schemeClr val="accent1"/>
-          </a:effectRef>
-          <a:fontRef idx="minor">
-            <a:schemeClr val="lt1"/>
-          </a:fontRef>
-        </p:style>
-        <p:txBody>
-          <a:bodyPr rtlCol="0" anchor="ctr"/>
-          <a:lstStyle/>
-          <a:p>
-            <a:pPr algn="ctr"/>
-            <a:endParaRPr lang="zh-CN" altLang="en-US" dirty="0"/>
-          </a:p>
-        </p:txBody>
-      </p:sp>
-      <p:sp>
-        <p:nvSpPr>
-          <p:cNvPr id="16" name="TextBox 48">
-            <a:extLst>
-              <a:ext uri="{FF2B5EF4-FFF2-40B4-BE49-F238E27FC236}">
-                <a16:creationId xmlns:a16="http://schemas.microsoft.com/office/drawing/2014/main" id="{C81D453F-4388-FB90-FD4B-53E948A46B28}"/>
-              </a:ext>
-            </a:extLst>
-          </p:cNvPr>
-          <p:cNvSpPr txBox="1"/>
-          <p:nvPr/>
-        </p:nvSpPr>
-        <p:spPr>
-          <a:xfrm>
-            <a:off x="1179690" y="3095904"/>
-            <a:ext cx="1845739" cy="2081852"/>
-          </a:xfrm>
-          <a:prstGeom prst="rect">
-            <a:avLst/>
-          </a:prstGeom>
-          <a:noFill/>
-        </p:spPr>
-        <p:txBody>
-          <a:bodyPr wrap="square" lIns="0" tIns="0" rIns="0" bIns="0" rtlCol="0">
-            <a:spAutoFit/>
-          </a:bodyPr>
-          <a:lstStyle/>
-          <a:p>
-            <a:pPr algn="ctr">
-              <a:lnSpc>
-                <a:spcPct val="130000"/>
-              </a:lnSpc>
-            </a:pPr>
-            <a:r>
-              <a:rPr lang="en-US" altLang="zh-CN" sz="11500" dirty="0">
-                <a:solidFill>
-                  <a:schemeClr val="bg1"/>
-                </a:solidFill>
-                <a:latin typeface="方正黑体简体" panose="02010601030101010101" pitchFamily="2" charset="-122"/>
-                <a:ea typeface="方正黑体简体" panose="02010601030101010101" pitchFamily="2" charset="-122"/>
-                <a:cs typeface="+mn-ea"/>
-                <a:sym typeface="+mn-lt"/>
-              </a:rPr>
-              <a:t>4</a:t>
-            </a:r>
-            <a:endParaRPr lang="zh-CN" altLang="en-US" sz="11500" dirty="0">
-              <a:solidFill>
-                <a:schemeClr val="bg1"/>
-              </a:solidFill>
-              <a:latin typeface="方正黑体简体" panose="02010601030101010101" pitchFamily="2" charset="-122"/>
-              <a:ea typeface="方正黑体简体" panose="02010601030101010101" pitchFamily="2" charset="-122"/>
-              <a:cs typeface="+mn-ea"/>
-              <a:sym typeface="+mn-lt"/>
-            </a:endParaRPr>
-          </a:p>
-        </p:txBody>
-      </p:sp>
-      <p:sp>
-        <p:nvSpPr>
-          <p:cNvPr id="17" name="矩形 16">
-            <a:extLst>
-              <a:ext uri="{FF2B5EF4-FFF2-40B4-BE49-F238E27FC236}">
-                <a16:creationId xmlns:a16="http://schemas.microsoft.com/office/drawing/2014/main" id="{040DB3A7-15EE-1E43-0742-72AB26F3F486}"/>
-              </a:ext>
-            </a:extLst>
-          </p:cNvPr>
-          <p:cNvSpPr/>
-          <p:nvPr/>
-        </p:nvSpPr>
-        <p:spPr>
-          <a:xfrm>
-            <a:off x="11059276" y="2715130"/>
-            <a:ext cx="495300" cy="495300"/>
-          </a:xfrm>
-          <a:prstGeom prst="rect">
-            <a:avLst/>
-          </a:prstGeom>
-          <a:solidFill>
-            <a:srgbClr val="FFB407"/>
-          </a:solidFill>
-          <a:ln>
-            <a:noFill/>
-          </a:ln>
-          <a:effectLst>
-            <a:outerShdw blurRad="254000" dist="63500" dir="2700000" algn="tl" rotWithShape="0">
-              <a:prstClr val="black">
-                <a:alpha val="20000"/>
-              </a:prstClr>
-            </a:outerShdw>
-          </a:effectLst>
-        </p:spPr>
-        <p:style>
-          <a:lnRef idx="2">
-            <a:schemeClr val="accent1">
-              <a:shade val="50000"/>
-            </a:schemeClr>
-          </a:lnRef>
-          <a:fillRef idx="1">
-            <a:schemeClr val="accent1"/>
-          </a:fillRef>
-          <a:effectRef idx="0">
-            <a:schemeClr val="accent1"/>
-          </a:effectRef>
-          <a:fontRef idx="minor">
-            <a:schemeClr val="lt1"/>
-          </a:fontRef>
-        </p:style>
-        <p:txBody>
-          <a:bodyPr rtlCol="0" anchor="ctr"/>
-          <a:lstStyle/>
-          <a:p>
-            <a:pPr algn="ctr"/>
-            <a:endParaRPr lang="zh-CN" altLang="en-US"/>
-          </a:p>
-        </p:txBody>
-      </p:sp>
-      <p:sp>
-        <p:nvSpPr>
-          <p:cNvPr id="18" name="矩形 17">
-            <a:extLst>
-              <a:ext uri="{FF2B5EF4-FFF2-40B4-BE49-F238E27FC236}">
-                <a16:creationId xmlns:a16="http://schemas.microsoft.com/office/drawing/2014/main" id="{C96F66ED-DFFA-6AB8-11A2-FE63F0F4FC3C}"/>
-              </a:ext>
-            </a:extLst>
-          </p:cNvPr>
-          <p:cNvSpPr/>
-          <p:nvPr/>
-        </p:nvSpPr>
-        <p:spPr>
-          <a:xfrm>
-            <a:off x="887979" y="4756150"/>
-            <a:ext cx="640960" cy="640960"/>
-          </a:xfrm>
-          <a:prstGeom prst="rect">
-            <a:avLst/>
-          </a:prstGeom>
-          <a:noFill/>
-          <a:ln w="19050">
-            <a:solidFill>
-              <a:srgbClr val="FFB407"/>
-            </a:solidFill>
-          </a:ln>
-        </p:spPr>
-        <p:style>
-          <a:lnRef idx="2">
-            <a:schemeClr val="accent1">
-              <a:shade val="50000"/>
-            </a:schemeClr>
-          </a:lnRef>
-          <a:fillRef idx="1">
-            <a:schemeClr val="accent1"/>
-          </a:fillRef>
-          <a:effectRef idx="0">
-            <a:schemeClr val="accent1"/>
-          </a:effectRef>
-          <a:fontRef idx="minor">
-            <a:schemeClr val="lt1"/>
-          </a:fontRef>
-        </p:style>
-        <p:txBody>
-          <a:bodyPr rtlCol="0" anchor="ctr"/>
-          <a:lstStyle/>
-          <a:p>
-            <a:pPr algn="ctr"/>
-            <a:endParaRPr lang="zh-CN" altLang="en-US"/>
-          </a:p>
-        </p:txBody>
-      </p:sp>
-      <p:sp>
-        <p:nvSpPr>
-          <p:cNvPr id="19" name="矩形 18">
-            <a:extLst>
-              <a:ext uri="{FF2B5EF4-FFF2-40B4-BE49-F238E27FC236}">
-                <a16:creationId xmlns:a16="http://schemas.microsoft.com/office/drawing/2014/main" id="{BB7EFFD9-7DE9-0BCA-8327-A0153060DCAE}"/>
-              </a:ext>
-            </a:extLst>
-          </p:cNvPr>
-          <p:cNvSpPr/>
-          <p:nvPr/>
-        </p:nvSpPr>
-        <p:spPr>
-          <a:xfrm>
-            <a:off x="1664409" y="5631308"/>
-            <a:ext cx="217042" cy="217042"/>
-          </a:xfrm>
-          <a:prstGeom prst="rect">
-            <a:avLst/>
-          </a:prstGeom>
-          <a:solidFill>
-            <a:srgbClr val="FFB407"/>
-          </a:solidFill>
-          <a:ln>
-            <a:noFill/>
-          </a:ln>
-          <a:effectLst>
-            <a:outerShdw blurRad="254000" dist="63500" dir="2700000" algn="tl" rotWithShape="0">
-              <a:prstClr val="black">
-                <a:alpha val="20000"/>
-              </a:prstClr>
-            </a:outerShdw>
-          </a:effectLst>
-        </p:spPr>
-        <p:style>
-          <a:lnRef idx="2">
-            <a:schemeClr val="accent1">
-              <a:shade val="50000"/>
-            </a:schemeClr>
-          </a:lnRef>
-          <a:fillRef idx="1">
-            <a:schemeClr val="accent1"/>
-          </a:fillRef>
-          <a:effectRef idx="0">
-            <a:schemeClr val="accent1"/>
-          </a:effectRef>
-          <a:fontRef idx="minor">
-            <a:schemeClr val="lt1"/>
-          </a:fontRef>
-        </p:style>
-        <p:txBody>
-          <a:bodyPr rtlCol="0" anchor="ctr"/>
-          <a:lstStyle/>
-          <a:p>
-            <a:pPr algn="ctr"/>
-            <a:endParaRPr lang="zh-CN" altLang="en-US"/>
-          </a:p>
-        </p:txBody>
-      </p:sp>
-      <p:sp>
-        <p:nvSpPr>
-          <p:cNvPr id="2" name="文本框 1">
-            <a:extLst>
-              <a:ext uri="{FF2B5EF4-FFF2-40B4-BE49-F238E27FC236}">
-                <a16:creationId xmlns:a16="http://schemas.microsoft.com/office/drawing/2014/main" id="{A0B6122C-5025-316D-ABDD-26BA81AE5792}"/>
-              </a:ext>
-            </a:extLst>
-          </p:cNvPr>
-          <p:cNvSpPr txBox="1"/>
-          <p:nvPr/>
-        </p:nvSpPr>
-        <p:spPr>
-          <a:xfrm>
-            <a:off x="3759625" y="2235200"/>
-            <a:ext cx="11238974" cy="4062651"/>
-          </a:xfrm>
-          <a:prstGeom prst="rect">
-            <a:avLst/>
-          </a:prstGeom>
-          <a:noFill/>
-        </p:spPr>
-        <p:txBody>
-          <a:bodyPr wrap="none" rtlCol="0">
-            <a:spAutoFit/>
-          </a:bodyPr>
-          <a:lstStyle/>
-          <a:p>
-            <a:r>
-              <a:rPr lang="en-US" altLang="zh-CN" sz="2400" b="1" dirty="0"/>
-              <a:t>-</a:t>
-            </a:r>
-            <a:r>
-              <a:rPr lang="zh-CN" altLang="en-US" sz="2400" b="1" dirty="0"/>
-              <a:t> 协作现状：需求→接口契约→后端→前端→测试，接口覆盖查询</a:t>
-            </a:r>
-            <a:r>
-              <a:rPr lang="en-US" altLang="zh-CN" sz="2400" b="1" dirty="0"/>
-              <a:t>/</a:t>
-            </a:r>
-            <a:r>
-              <a:rPr lang="zh-CN" altLang="en-US" sz="2400" b="1" dirty="0"/>
-              <a:t>详情</a:t>
-            </a:r>
-            <a:r>
-              <a:rPr lang="en-US" altLang="zh-CN" sz="2400" b="1" dirty="0"/>
-              <a:t>/</a:t>
-            </a:r>
-            <a:r>
-              <a:rPr lang="zh-CN" altLang="en-US" sz="2400" b="1" dirty="0"/>
-              <a:t>订单</a:t>
-            </a:r>
-            <a:r>
-              <a:rPr lang="en-US" altLang="zh-CN" sz="2400" b="1" dirty="0"/>
-              <a:t>/</a:t>
-            </a:r>
-            <a:r>
-              <a:rPr lang="zh-CN" altLang="en-US" sz="2400" b="1" dirty="0"/>
-              <a:t>鉴权</a:t>
-            </a:r>
-          </a:p>
-          <a:p>
-            <a:r>
-              <a:rPr lang="en-US" altLang="zh-CN" sz="2400" b="1" dirty="0"/>
-              <a:t>-</a:t>
-            </a:r>
-            <a:r>
-              <a:rPr lang="zh-CN" altLang="en-US" sz="2400" b="1" dirty="0"/>
-              <a:t> 待改进：</a:t>
-            </a:r>
-          </a:p>
-          <a:p>
-            <a:r>
-              <a:rPr lang="zh-CN" altLang="en-US" sz="2400" b="1" dirty="0"/>
-              <a:t>  </a:t>
-            </a:r>
-            <a:r>
-              <a:rPr lang="en-US" altLang="zh-CN" sz="2400" b="1" dirty="0"/>
-              <a:t>_</a:t>
-            </a:r>
-            <a:r>
-              <a:rPr lang="zh-CN" altLang="en-US" sz="2400" b="1" dirty="0"/>
-              <a:t> 登录成功跳转与忘记密码页面</a:t>
-            </a:r>
-          </a:p>
-          <a:p>
-            <a:r>
-              <a:rPr lang="zh-CN" altLang="en-US" sz="2400" b="1" dirty="0"/>
-              <a:t>  </a:t>
-            </a:r>
-            <a:r>
-              <a:rPr lang="en-US" altLang="zh-CN" sz="2400" b="1" dirty="0"/>
-              <a:t>_ </a:t>
-            </a:r>
-            <a:r>
-              <a:rPr lang="zh-CN" altLang="en-US" sz="2400" b="1" dirty="0"/>
-              <a:t>首页消费后端内容接口</a:t>
-            </a:r>
-          </a:p>
-          <a:p>
-            <a:r>
-              <a:rPr lang="zh-CN" altLang="en-US" sz="2400" b="1" dirty="0"/>
-              <a:t>  </a:t>
-            </a:r>
-            <a:r>
-              <a:rPr lang="en-US" altLang="zh-CN" sz="2400" b="1" dirty="0"/>
-              <a:t>_</a:t>
-            </a:r>
-            <a:r>
-              <a:rPr lang="zh-CN" altLang="en-US" sz="2400" b="1" dirty="0"/>
-              <a:t> 个人中心</a:t>
-            </a:r>
-            <a:r>
-              <a:rPr lang="en-US" altLang="zh-CN" sz="2400" b="1" dirty="0"/>
-              <a:t>API</a:t>
-            </a:r>
-            <a:r>
-              <a:rPr lang="zh-CN" altLang="en-US" sz="2400" b="1" dirty="0"/>
-              <a:t>与页面</a:t>
-            </a:r>
-          </a:p>
-          <a:p>
-            <a:r>
-              <a:rPr lang="en-US" altLang="zh-CN" sz="2400" b="1" dirty="0"/>
-              <a:t>-</a:t>
-            </a:r>
-            <a:r>
-              <a:rPr lang="zh-CN" altLang="en-US" sz="2400" b="1" dirty="0"/>
-              <a:t> 近期计划（至</a:t>
-            </a:r>
-            <a:r>
-              <a:rPr lang="en-US" altLang="zh-CN" sz="2400" b="1" dirty="0"/>
-              <a:t>11/17</a:t>
-            </a:r>
-            <a:r>
-              <a:rPr lang="zh-CN" altLang="en-US" sz="2400" b="1" dirty="0"/>
-              <a:t>）：</a:t>
-            </a:r>
-          </a:p>
-          <a:p>
-            <a:r>
-              <a:rPr lang="zh-CN" altLang="en-US" sz="2400" b="1" dirty="0"/>
-              <a:t>  </a:t>
-            </a:r>
-            <a:r>
-              <a:rPr lang="en-US" altLang="zh-CN" sz="2400" b="1" dirty="0"/>
-              <a:t>_</a:t>
-            </a:r>
-            <a:r>
-              <a:rPr lang="zh-CN" altLang="en-US" sz="2400" b="1" dirty="0"/>
-              <a:t> 补登录成功跳转：</a:t>
-            </a:r>
-            <a:r>
-              <a:rPr lang="en-US" altLang="zh-CN" sz="2400" b="1" dirty="0"/>
-              <a:t>`frontend/</a:t>
-            </a:r>
-            <a:r>
-              <a:rPr lang="en-US" altLang="zh-CN" sz="2400" b="1" dirty="0" err="1"/>
-              <a:t>src</a:t>
-            </a:r>
-            <a:r>
-              <a:rPr lang="en-US" altLang="zh-CN" sz="2400" b="1" dirty="0"/>
-              <a:t>/pages/LoginPage.tsx:73-77`</a:t>
-            </a:r>
-            <a:endParaRPr lang="zh-CN" altLang="en-US" sz="2400" b="1" dirty="0"/>
-          </a:p>
-          <a:p>
-            <a:r>
-              <a:rPr lang="zh-CN" altLang="en-US" sz="2400" b="1" dirty="0"/>
-              <a:t>  </a:t>
-            </a:r>
-            <a:r>
-              <a:rPr lang="en-US" altLang="zh-CN" sz="2400" b="1" dirty="0"/>
-              <a:t>_</a:t>
-            </a:r>
-            <a:r>
-              <a:rPr lang="zh-CN" altLang="en-US" sz="2400" b="1" dirty="0"/>
-              <a:t> 首页接入 </a:t>
-            </a:r>
-            <a:r>
-              <a:rPr lang="en-US" altLang="zh-CN" sz="2400" b="1" dirty="0"/>
-              <a:t>`GET /</a:t>
-            </a:r>
-            <a:r>
-              <a:rPr lang="en-US" altLang="zh-CN" sz="2400" b="1" dirty="0" err="1"/>
-              <a:t>api</a:t>
-            </a:r>
-            <a:r>
-              <a:rPr lang="en-US" altLang="zh-CN" sz="2400" b="1" dirty="0"/>
-              <a:t>/auth/homepage`</a:t>
-            </a:r>
-            <a:endParaRPr lang="zh-CN" altLang="en-US" sz="2400" b="1" dirty="0"/>
-          </a:p>
-          <a:p>
-            <a:r>
-              <a:rPr lang="zh-CN" altLang="en-US" sz="2400" b="1" dirty="0"/>
-              <a:t>  </a:t>
-            </a:r>
-            <a:r>
-              <a:rPr lang="en-US" altLang="zh-CN" sz="2400" b="1" dirty="0"/>
-              <a:t>_</a:t>
-            </a:r>
-            <a:r>
-              <a:rPr lang="zh-CN" altLang="en-US" sz="2400" b="1" dirty="0"/>
-              <a:t> 落地忘记密码页面，使用 </a:t>
-            </a:r>
-            <a:r>
-              <a:rPr lang="en-US" altLang="zh-CN" sz="2400" b="1" dirty="0"/>
-              <a:t>`GET /</a:t>
-            </a:r>
-            <a:r>
-              <a:rPr lang="en-US" altLang="zh-CN" sz="2400" b="1" dirty="0" err="1"/>
-              <a:t>api</a:t>
-            </a:r>
-            <a:r>
-              <a:rPr lang="en-US" altLang="zh-CN" sz="2400" b="1" dirty="0"/>
-              <a:t>/auth/forgot-password`</a:t>
-            </a:r>
-            <a:endParaRPr lang="zh-CN" altLang="en-US" sz="2400" b="1" dirty="0"/>
-          </a:p>
-          <a:p>
-            <a:r>
-              <a:rPr lang="zh-CN" altLang="en-US" sz="2400" b="1" dirty="0"/>
-              <a:t>  </a:t>
-            </a:r>
-            <a:r>
-              <a:rPr lang="en-US" altLang="zh-CN" sz="2400" b="1" dirty="0"/>
-              <a:t>_</a:t>
-            </a:r>
-            <a:r>
-              <a:rPr lang="zh-CN" altLang="en-US" sz="2400" b="1" dirty="0"/>
-              <a:t> 规划并实现个人中心</a:t>
-            </a:r>
-            <a:r>
-              <a:rPr lang="en-US" altLang="zh-CN" sz="2400" b="1" dirty="0"/>
-              <a:t>API</a:t>
-            </a:r>
-            <a:r>
-              <a:rPr lang="zh-CN" altLang="en-US" sz="2400" b="1" dirty="0"/>
-              <a:t>（资料、订单汇总）</a:t>
-            </a:r>
-          </a:p>
-          <a:p>
-            <a:endParaRPr lang="zh-CN" altLang="en-US" dirty="0"/>
-          </a:p>
-        </p:txBody>
-      </p:sp>
-    </p:spTree>
-    <p:extLst>
-      <p:ext uri="{BB962C8B-B14F-4D97-AF65-F5344CB8AC3E}">
-        <p14:creationId xmlns:p14="http://schemas.microsoft.com/office/powerpoint/2010/main" val="694348563"/>
-      </p:ext>
-    </p:extLst>
-  </p:cSld>
-  <p:clrMapOvr>
-    <a:masterClrMapping/>
-  </p:clrMapOvr>
-  <mc:AlternateContent xmlns:mc="http://schemas.openxmlformats.org/markup-compatibility/2006">
-    <mc:Choice xmlns:p14="http://schemas.microsoft.com/office/powerpoint/2010/main" Requires="p14">
-      <p:transition spd="slow" p14:dur="1250" advClick="0" advTm="3000">
-        <p14:flip dir="r"/>
-      </p:transition>
-    </mc:Choice>
-    <mc:Fallback>
+    <mc:Fallback xmlns="">
       <p:transition spd="slow" advClick="0" advTm="3000">
         <p:fade/>
       </p:transition>
